--- a/DomainDrivenRefactoring/DomainDrivenRefactoring.pptx
+++ b/DomainDrivenRefactoring/DomainDrivenRefactoring.pptx
@@ -5,7 +5,7 @@
     <p:sldMasterId id="2147483648" r:id="rId1"/>
   </p:sldMasterIdLst>
   <p:notesMasterIdLst>
-    <p:notesMasterId r:id="rId10"/>
+    <p:notesMasterId r:id="rId15"/>
   </p:notesMasterIdLst>
   <p:sldIdLst>
     <p:sldId id="257" r:id="rId2"/>
@@ -15,7 +15,12 @@
     <p:sldId id="349" r:id="rId6"/>
     <p:sldId id="350" r:id="rId7"/>
     <p:sldId id="351" r:id="rId8"/>
-    <p:sldId id="310" r:id="rId9"/>
+    <p:sldId id="352" r:id="rId9"/>
+    <p:sldId id="353" r:id="rId10"/>
+    <p:sldId id="354" r:id="rId11"/>
+    <p:sldId id="355" r:id="rId12"/>
+    <p:sldId id="356" r:id="rId13"/>
+    <p:sldId id="310" r:id="rId14"/>
   </p:sldIdLst>
   <p:sldSz cx="12192000" cy="6858000"/>
   <p:notesSz cx="6858000" cy="9144000"/>
@@ -1040,7 +1045,7 @@
           <a:p>
             <a:fld id="{DC42B9C4-3265-4C64-80EB-D0107FD08979}" type="slidenum">
               <a:rPr lang="en-US" smtClean="0"/>
-              <a:t>8</a:t>
+              <a:t>13</a:t>
             </a:fld>
             <a:endParaRPr lang="en-US"/>
           </a:p>
@@ -4206,7 +4211,7 @@
 </p:sld>
 </file>
 
-<file path=ppt/slides/slide2.xml><?xml version="1.0" encoding="utf-8"?>
+<file path=ppt/slides/slide10.xml><?xml version="1.0" encoding="utf-8"?>
 <p:sld xmlns:a="http://schemas.openxmlformats.org/drawingml/2006/main" xmlns:r="http://schemas.openxmlformats.org/officeDocument/2006/relationships" xmlns:p="http://schemas.openxmlformats.org/presentationml/2006/main">
   <p:cSld>
     <p:spTree>
@@ -4225,10 +4230,10 @@
       </p:grpSpPr>
       <p:sp>
         <p:nvSpPr>
-          <p:cNvPr id="12" name="Title 11">
+          <p:cNvPr id="2" name="Date Placeholder 1">
             <a:extLst>
               <a:ext uri="{FF2B5EF4-FFF2-40B4-BE49-F238E27FC236}">
-                <a16:creationId xmlns:a16="http://schemas.microsoft.com/office/drawing/2014/main" id="{62486DA5-D343-4747-A4FD-3308D26D4753}"/>
+                <a16:creationId xmlns:a16="http://schemas.microsoft.com/office/drawing/2014/main" id="{4418AA13-DDCC-47A0-AD54-FD9925447CFF}"/>
               </a:ext>
             </a:extLst>
           </p:cNvPr>
@@ -4236,68 +4241,56 @@
             <a:spLocks noGrp="1"/>
           </p:cNvSpPr>
           <p:nvPr>
-            <p:ph type="ctrTitle"/>
-          </p:nvPr>
-        </p:nvSpPr>
-        <p:spPr>
-          <a:xfrm>
-            <a:off x="1524000" y="2235200"/>
-            <a:ext cx="9144000" cy="2387600"/>
-          </a:xfrm>
-        </p:spPr>
-        <p:txBody>
-          <a:bodyPr anchor="ctr">
-            <a:normAutofit fontScale="90000"/>
-          </a:bodyPr>
-          <a:lstStyle/>
-          <a:p>
-            <a:r>
-              <a:rPr lang="en-US" dirty="0"/>
-              <a:t>What is</a:t>
-            </a:r>
-            <a:br>
-              <a:rPr lang="en-US" dirty="0"/>
-            </a:br>
-            <a:r>
-              <a:rPr lang="en-US" dirty="0"/>
-              <a:t>Domain-Driven Design?</a:t>
-            </a:r>
-          </a:p>
-        </p:txBody>
-      </p:sp>
-      <p:sp>
-        <p:nvSpPr>
-          <p:cNvPr id="11" name="Date Placeholder 10">
+            <p:ph type="dt" sz="half" idx="10"/>
+          </p:nvPr>
+        </p:nvSpPr>
+        <p:spPr/>
+        <p:txBody>
+          <a:bodyPr/>
+          <a:lstStyle/>
+          <a:p>
+            <a:r>
+              <a:rPr lang="en-US"/>
+              <a:t>@jbogard</a:t>
+            </a:r>
+            <a:endParaRPr lang="en-US" dirty="0"/>
+          </a:p>
+        </p:txBody>
+      </p:sp>
+      <p:pic>
+        <p:nvPicPr>
+          <p:cNvPr id="3" name="Picture 2">
             <a:extLst>
               <a:ext uri="{FF2B5EF4-FFF2-40B4-BE49-F238E27FC236}">
-                <a16:creationId xmlns:a16="http://schemas.microsoft.com/office/drawing/2014/main" id="{A96DA99A-4157-43C2-98A4-42632CE752A4}"/>
+                <a16:creationId xmlns:a16="http://schemas.microsoft.com/office/drawing/2014/main" id="{B0F9DF61-ECC0-4A6A-83EB-BD396BE198A9}"/>
               </a:ext>
             </a:extLst>
           </p:cNvPr>
-          <p:cNvSpPr>
-            <a:spLocks noGrp="1"/>
-          </p:cNvSpPr>
-          <p:nvPr>
-            <p:ph type="dt" sz="half" idx="10"/>
-          </p:nvPr>
-        </p:nvSpPr>
-        <p:spPr/>
-        <p:txBody>
-          <a:bodyPr/>
-          <a:lstStyle/>
-          <a:p>
-            <a:r>
-              <a:rPr lang="en-US"/>
-              <a:t>@jbogard</a:t>
-            </a:r>
-            <a:endParaRPr lang="en-US" dirty="0"/>
-          </a:p>
-        </p:txBody>
-      </p:sp>
+          <p:cNvPicPr>
+            <a:picLocks noChangeAspect="1"/>
+          </p:cNvPicPr>
+          <p:nvPr/>
+        </p:nvPicPr>
+        <p:blipFill>
+          <a:blip r:embed="rId2"/>
+          <a:stretch>
+            <a:fillRect/>
+          </a:stretch>
+        </p:blipFill>
+        <p:spPr>
+          <a:xfrm>
+            <a:off x="2112473" y="434897"/>
+            <a:ext cx="7967054" cy="5988207"/>
+          </a:xfrm>
+          <a:prstGeom prst="rect">
+            <a:avLst/>
+          </a:prstGeom>
+        </p:spPr>
+      </p:pic>
     </p:spTree>
     <p:extLst>
       <p:ext uri="{BB962C8B-B14F-4D97-AF65-F5344CB8AC3E}">
-        <p14:creationId xmlns:p14="http://schemas.microsoft.com/office/powerpoint/2010/main" val="2171897486"/>
+        <p14:creationId xmlns:p14="http://schemas.microsoft.com/office/powerpoint/2010/main" val="3105992548"/>
       </p:ext>
     </p:extLst>
   </p:cSld>
@@ -4307,7 +4300,7 @@
 </p:sld>
 </file>
 
-<file path=ppt/slides/slide3.xml><?xml version="1.0" encoding="utf-8"?>
+<file path=ppt/slides/slide11.xml><?xml version="1.0" encoding="utf-8"?>
 <p:sld xmlns:a="http://schemas.openxmlformats.org/drawingml/2006/main" xmlns:r="http://schemas.openxmlformats.org/officeDocument/2006/relationships" xmlns:p="http://schemas.openxmlformats.org/presentationml/2006/main">
   <p:cSld>
     <p:spTree>
@@ -4326,10 +4319,10 @@
       </p:grpSpPr>
       <p:sp>
         <p:nvSpPr>
-          <p:cNvPr id="12" name="Title 11">
+          <p:cNvPr id="2" name="Title 1">
             <a:extLst>
               <a:ext uri="{FF2B5EF4-FFF2-40B4-BE49-F238E27FC236}">
-                <a16:creationId xmlns:a16="http://schemas.microsoft.com/office/drawing/2014/main" id="{62486DA5-D343-4747-A4FD-3308D26D4753}"/>
+                <a16:creationId xmlns:a16="http://schemas.microsoft.com/office/drawing/2014/main" id="{0F9CE0A0-427C-4581-BAEE-3D273D772EC8}"/>
               </a:ext>
             </a:extLst>
           </p:cNvPr>
@@ -4337,39 +4330,27 @@
             <a:spLocks noGrp="1"/>
           </p:cNvSpPr>
           <p:nvPr>
-            <p:ph type="ctrTitle"/>
-          </p:nvPr>
-        </p:nvSpPr>
-        <p:spPr>
-          <a:xfrm>
-            <a:off x="1524000" y="2235200"/>
-            <a:ext cx="9144000" cy="2387600"/>
-          </a:xfrm>
-        </p:spPr>
-        <p:txBody>
-          <a:bodyPr anchor="ctr"/>
+            <p:ph type="title"/>
+          </p:nvPr>
+        </p:nvSpPr>
+        <p:spPr/>
+        <p:txBody>
+          <a:bodyPr/>
           <a:lstStyle/>
           <a:p>
             <a:r>
               <a:rPr lang="en-US" dirty="0"/>
-              <a:t>What is</a:t>
-            </a:r>
-            <a:br>
-              <a:rPr lang="en-US" dirty="0"/>
-            </a:br>
-            <a:r>
-              <a:rPr lang="en-US" dirty="0"/>
-              <a:t>a domain model?</a:t>
-            </a:r>
-          </a:p>
-        </p:txBody>
-      </p:sp>
-      <p:sp>
-        <p:nvSpPr>
-          <p:cNvPr id="11" name="Date Placeholder 10">
+              <a:t>Where’s the behavior?</a:t>
+            </a:r>
+          </a:p>
+        </p:txBody>
+      </p:sp>
+      <p:sp>
+        <p:nvSpPr>
+          <p:cNvPr id="3" name="Text Placeholder 2">
             <a:extLst>
               <a:ext uri="{FF2B5EF4-FFF2-40B4-BE49-F238E27FC236}">
-                <a16:creationId xmlns:a16="http://schemas.microsoft.com/office/drawing/2014/main" id="{A96DA99A-4157-43C2-98A4-42632CE752A4}"/>
+                <a16:creationId xmlns:a16="http://schemas.microsoft.com/office/drawing/2014/main" id="{B6C9AA3D-7440-4761-89EB-6ECAFD14F265}"/>
               </a:ext>
             </a:extLst>
           </p:cNvPr>
@@ -4377,6 +4358,31 @@
             <a:spLocks noGrp="1"/>
           </p:cNvSpPr>
           <p:nvPr>
+            <p:ph type="body" idx="1"/>
+          </p:nvPr>
+        </p:nvSpPr>
+        <p:spPr/>
+        <p:txBody>
+          <a:bodyPr/>
+          <a:lstStyle/>
+          <a:p>
+            <a:endParaRPr lang="en-US"/>
+          </a:p>
+        </p:txBody>
+      </p:sp>
+      <p:sp>
+        <p:nvSpPr>
+          <p:cNvPr id="4" name="Date Placeholder 3">
+            <a:extLst>
+              <a:ext uri="{FF2B5EF4-FFF2-40B4-BE49-F238E27FC236}">
+                <a16:creationId xmlns:a16="http://schemas.microsoft.com/office/drawing/2014/main" id="{A12FC762-FE83-4B1D-A2B8-B75DEBEF7075}"/>
+              </a:ext>
+            </a:extLst>
+          </p:cNvPr>
+          <p:cNvSpPr>
+            <a:spLocks noGrp="1"/>
+          </p:cNvSpPr>
+          <p:nvPr>
             <p:ph type="dt" sz="half" idx="10"/>
           </p:nvPr>
         </p:nvSpPr>
@@ -4396,7 +4402,7 @@
     </p:spTree>
     <p:extLst>
       <p:ext uri="{BB962C8B-B14F-4D97-AF65-F5344CB8AC3E}">
-        <p14:creationId xmlns:p14="http://schemas.microsoft.com/office/powerpoint/2010/main" val="2298955357"/>
+        <p14:creationId xmlns:p14="http://schemas.microsoft.com/office/powerpoint/2010/main" val="2386943570"/>
       </p:ext>
     </p:extLst>
   </p:cSld>
@@ -4406,7 +4412,7 @@
 </p:sld>
 </file>
 
-<file path=ppt/slides/slide4.xml><?xml version="1.0" encoding="utf-8"?>
+<file path=ppt/slides/slide12.xml><?xml version="1.0" encoding="utf-8"?>
 <p:sld xmlns:a="http://schemas.openxmlformats.org/drawingml/2006/main" xmlns:r="http://schemas.openxmlformats.org/officeDocument/2006/relationships" xmlns:p="http://schemas.openxmlformats.org/presentationml/2006/main">
   <p:cSld>
     <p:spTree>
@@ -4425,10 +4431,10 @@
       </p:grpSpPr>
       <p:sp>
         <p:nvSpPr>
-          <p:cNvPr id="12" name="Title 11">
+          <p:cNvPr id="2" name="Date Placeholder 1">
             <a:extLst>
               <a:ext uri="{FF2B5EF4-FFF2-40B4-BE49-F238E27FC236}">
-                <a16:creationId xmlns:a16="http://schemas.microsoft.com/office/drawing/2014/main" id="{62486DA5-D343-4747-A4FD-3308D26D4753}"/>
+                <a16:creationId xmlns:a16="http://schemas.microsoft.com/office/drawing/2014/main" id="{B6C4C36B-2F35-4727-AA73-0C12BD102B81}"/>
               </a:ext>
             </a:extLst>
           </p:cNvPr>
@@ -4436,66 +4442,102 @@
             <a:spLocks noGrp="1"/>
           </p:cNvSpPr>
           <p:nvPr>
-            <p:ph type="ctrTitle"/>
-          </p:nvPr>
-        </p:nvSpPr>
-        <p:spPr>
-          <a:xfrm>
-            <a:off x="1524000" y="2235200"/>
-            <a:ext cx="9144000" cy="2387600"/>
-          </a:xfrm>
-        </p:spPr>
-        <p:txBody>
-          <a:bodyPr anchor="ctr"/>
-          <a:lstStyle/>
-          <a:p>
-            <a:r>
-              <a:rPr lang="en-US" dirty="0"/>
-              <a:t>But my code,</a:t>
-            </a:r>
-            <a:br>
-              <a:rPr lang="en-US" dirty="0"/>
-            </a:br>
-            <a:r>
-              <a:rPr lang="en-US" dirty="0"/>
-              <a:t>it sucks!</a:t>
-            </a:r>
-          </a:p>
-        </p:txBody>
-      </p:sp>
-      <p:sp>
-        <p:nvSpPr>
-          <p:cNvPr id="11" name="Date Placeholder 10">
+            <p:ph type="dt" sz="half" idx="10"/>
+          </p:nvPr>
+        </p:nvSpPr>
+        <p:spPr/>
+        <p:txBody>
+          <a:bodyPr/>
+          <a:lstStyle/>
+          <a:p>
+            <a:r>
+              <a:rPr lang="en-US"/>
+              <a:t>@jbogard</a:t>
+            </a:r>
+            <a:endParaRPr lang="en-US" dirty="0"/>
+          </a:p>
+        </p:txBody>
+      </p:sp>
+      <p:pic>
+        <p:nvPicPr>
+          <p:cNvPr id="3" name="Picture 2">
             <a:extLst>
               <a:ext uri="{FF2B5EF4-FFF2-40B4-BE49-F238E27FC236}">
-                <a16:creationId xmlns:a16="http://schemas.microsoft.com/office/drawing/2014/main" id="{A96DA99A-4157-43C2-98A4-42632CE752A4}"/>
+                <a16:creationId xmlns:a16="http://schemas.microsoft.com/office/drawing/2014/main" id="{0587F32A-06A2-45C4-B305-631CE64C1614}"/>
               </a:ext>
             </a:extLst>
           </p:cNvPr>
-          <p:cNvSpPr>
-            <a:spLocks noGrp="1"/>
-          </p:cNvSpPr>
-          <p:nvPr>
-            <p:ph type="dt" sz="half" idx="10"/>
-          </p:nvPr>
-        </p:nvSpPr>
-        <p:spPr/>
-        <p:txBody>
-          <a:bodyPr/>
-          <a:lstStyle/>
-          <a:p>
-            <a:r>
-              <a:rPr lang="en-US"/>
-              <a:t>@jbogard</a:t>
-            </a:r>
-            <a:endParaRPr lang="en-US" dirty="0"/>
-          </a:p>
-        </p:txBody>
-      </p:sp>
+          <p:cNvPicPr>
+            <a:picLocks noChangeAspect="1"/>
+          </p:cNvPicPr>
+          <p:nvPr/>
+        </p:nvPicPr>
+        <p:blipFill>
+          <a:blip r:embed="rId2"/>
+          <a:stretch>
+            <a:fillRect/>
+          </a:stretch>
+        </p:blipFill>
+        <p:spPr>
+          <a:xfrm>
+            <a:off x="4214550" y="1642813"/>
+            <a:ext cx="3762900" cy="3572374"/>
+          </a:xfrm>
+          <a:prstGeom prst="rect">
+            <a:avLst/>
+          </a:prstGeom>
+        </p:spPr>
+      </p:pic>
+      <p:cxnSp>
+        <p:nvCxnSpPr>
+          <p:cNvPr id="5" name="Straight Arrow Connector 4">
+            <a:extLst>
+              <a:ext uri="{FF2B5EF4-FFF2-40B4-BE49-F238E27FC236}">
+                <a16:creationId xmlns:a16="http://schemas.microsoft.com/office/drawing/2014/main" id="{59DE1438-62FB-4903-A671-75E44ABA096E}"/>
+              </a:ext>
+            </a:extLst>
+          </p:cNvPr>
+          <p:cNvCxnSpPr/>
+          <p:nvPr/>
+        </p:nvCxnSpPr>
+        <p:spPr>
+          <a:xfrm>
+            <a:off x="4410913" y="3032206"/>
+            <a:ext cx="0" cy="1667714"/>
+          </a:xfrm>
+          <a:prstGeom prst="straightConnector1">
+            <a:avLst/>
+          </a:prstGeom>
+          <a:ln w="57150">
+            <a:tailEnd type="triangle"/>
+          </a:ln>
+          <a:effectLst>
+            <a:outerShdw blurRad="50800" dist="38100" dir="2700000" algn="tl" rotWithShape="0">
+              <a:prstClr val="black">
+                <a:alpha val="40000"/>
+              </a:prstClr>
+            </a:outerShdw>
+          </a:effectLst>
+        </p:spPr>
+        <p:style>
+          <a:lnRef idx="3">
+            <a:schemeClr val="accent2"/>
+          </a:lnRef>
+          <a:fillRef idx="0">
+            <a:schemeClr val="accent2"/>
+          </a:fillRef>
+          <a:effectRef idx="2">
+            <a:schemeClr val="accent2"/>
+          </a:effectRef>
+          <a:fontRef idx="minor">
+            <a:schemeClr val="tx1"/>
+          </a:fontRef>
+        </p:style>
+      </p:cxnSp>
     </p:spTree>
     <p:extLst>
       <p:ext uri="{BB962C8B-B14F-4D97-AF65-F5344CB8AC3E}">
-        <p14:creationId xmlns:p14="http://schemas.microsoft.com/office/powerpoint/2010/main" val="3855896484"/>
+        <p14:creationId xmlns:p14="http://schemas.microsoft.com/office/powerpoint/2010/main" val="552753083"/>
       </p:ext>
     </p:extLst>
   </p:cSld>
@@ -4505,385 +4547,7 @@
 </p:sld>
 </file>
 
-<file path=ppt/slides/slide5.xml><?xml version="1.0" encoding="utf-8"?>
-<p:sld xmlns:a="http://schemas.openxmlformats.org/drawingml/2006/main" xmlns:r="http://schemas.openxmlformats.org/officeDocument/2006/relationships" xmlns:p="http://schemas.openxmlformats.org/presentationml/2006/main">
-  <p:cSld>
-    <p:spTree>
-      <p:nvGrpSpPr>
-        <p:cNvPr id="1" name=""/>
-        <p:cNvGrpSpPr/>
-        <p:nvPr/>
-      </p:nvGrpSpPr>
-      <p:grpSpPr>
-        <a:xfrm>
-          <a:off x="0" y="0"/>
-          <a:ext cx="0" cy="0"/>
-          <a:chOff x="0" y="0"/>
-          <a:chExt cx="0" cy="0"/>
-        </a:xfrm>
-      </p:grpSpPr>
-      <p:sp>
-        <p:nvSpPr>
-          <p:cNvPr id="3" name="Date Placeholder 2">
-            <a:extLst>
-              <a:ext uri="{FF2B5EF4-FFF2-40B4-BE49-F238E27FC236}">
-                <a16:creationId xmlns:a16="http://schemas.microsoft.com/office/drawing/2014/main" id="{20776859-6EEF-4063-BB11-560F4A285809}"/>
-              </a:ext>
-            </a:extLst>
-          </p:cNvPr>
-          <p:cNvSpPr>
-            <a:spLocks noGrp="1"/>
-          </p:cNvSpPr>
-          <p:nvPr>
-            <p:ph type="dt" sz="half" idx="10"/>
-          </p:nvPr>
-        </p:nvSpPr>
-        <p:spPr/>
-        <p:txBody>
-          <a:bodyPr/>
-          <a:lstStyle/>
-          <a:p>
-            <a:r>
-              <a:rPr lang="en-US"/>
-              <a:t>@jbogard</a:t>
-            </a:r>
-            <a:endParaRPr lang="en-US" dirty="0"/>
-          </a:p>
-        </p:txBody>
-      </p:sp>
-      <p:sp>
-        <p:nvSpPr>
-          <p:cNvPr id="4" name="TextBox 3">
-            <a:extLst>
-              <a:ext uri="{FF2B5EF4-FFF2-40B4-BE49-F238E27FC236}">
-                <a16:creationId xmlns:a16="http://schemas.microsoft.com/office/drawing/2014/main" id="{00B40EB7-2E1B-4E8C-BA46-FCC8C14B9A0D}"/>
-              </a:ext>
-            </a:extLst>
-          </p:cNvPr>
-          <p:cNvSpPr txBox="1"/>
-          <p:nvPr/>
-        </p:nvSpPr>
-        <p:spPr>
-          <a:xfrm>
-            <a:off x="2763253" y="933650"/>
-            <a:ext cx="6665494" cy="4524315"/>
-          </a:xfrm>
-          <a:prstGeom prst="rect">
-            <a:avLst/>
-          </a:prstGeom>
-          <a:noFill/>
-        </p:spPr>
-        <p:txBody>
-          <a:bodyPr wrap="square" rtlCol="0">
-            <a:spAutoFit/>
-          </a:bodyPr>
-          <a:lstStyle/>
-          <a:p>
-            <a:pPr algn="ctr"/>
-            <a:r>
-              <a:rPr lang="en-US" sz="9600" dirty="0">
-                <a:solidFill>
-                  <a:srgbClr val="FF0000"/>
-                </a:solidFill>
-              </a:rPr>
-              <a:t>Red</a:t>
-            </a:r>
-          </a:p>
-          <a:p>
-            <a:pPr algn="ctr"/>
-            <a:r>
-              <a:rPr lang="en-US" sz="9600" dirty="0">
-                <a:solidFill>
-                  <a:srgbClr val="00B050"/>
-                </a:solidFill>
-              </a:rPr>
-              <a:t>Green</a:t>
-            </a:r>
-          </a:p>
-          <a:p>
-            <a:pPr algn="ctr"/>
-            <a:r>
-              <a:rPr lang="en-US" sz="9600" dirty="0">
-                <a:solidFill>
-                  <a:srgbClr val="00B0F0"/>
-                </a:solidFill>
-              </a:rPr>
-              <a:t>Refactor</a:t>
-            </a:r>
-          </a:p>
-        </p:txBody>
-      </p:sp>
-    </p:spTree>
-    <p:extLst>
-      <p:ext uri="{BB962C8B-B14F-4D97-AF65-F5344CB8AC3E}">
-        <p14:creationId xmlns:p14="http://schemas.microsoft.com/office/powerpoint/2010/main" val="4256676816"/>
-      </p:ext>
-    </p:extLst>
-  </p:cSld>
-  <p:clrMapOvr>
-    <a:masterClrMapping/>
-  </p:clrMapOvr>
-</p:sld>
-</file>
-
-<file path=ppt/slides/slide6.xml><?xml version="1.0" encoding="utf-8"?>
-<p:sld xmlns:a="http://schemas.openxmlformats.org/drawingml/2006/main" xmlns:r="http://schemas.openxmlformats.org/officeDocument/2006/relationships" xmlns:p="http://schemas.openxmlformats.org/presentationml/2006/main">
-  <p:cSld>
-    <p:spTree>
-      <p:nvGrpSpPr>
-        <p:cNvPr id="1" name=""/>
-        <p:cNvGrpSpPr/>
-        <p:nvPr/>
-      </p:nvGrpSpPr>
-      <p:grpSpPr>
-        <a:xfrm>
-          <a:off x="0" y="0"/>
-          <a:ext cx="0" cy="0"/>
-          <a:chOff x="0" y="0"/>
-          <a:chExt cx="0" cy="0"/>
-        </a:xfrm>
-      </p:grpSpPr>
-      <p:sp>
-        <p:nvSpPr>
-          <p:cNvPr id="3" name="Date Placeholder 2">
-            <a:extLst>
-              <a:ext uri="{FF2B5EF4-FFF2-40B4-BE49-F238E27FC236}">
-                <a16:creationId xmlns:a16="http://schemas.microsoft.com/office/drawing/2014/main" id="{20776859-6EEF-4063-BB11-560F4A285809}"/>
-              </a:ext>
-            </a:extLst>
-          </p:cNvPr>
-          <p:cNvSpPr>
-            <a:spLocks noGrp="1"/>
-          </p:cNvSpPr>
-          <p:nvPr>
-            <p:ph type="dt" sz="half" idx="10"/>
-          </p:nvPr>
-        </p:nvSpPr>
-        <p:spPr/>
-        <p:txBody>
-          <a:bodyPr/>
-          <a:lstStyle/>
-          <a:p>
-            <a:r>
-              <a:rPr lang="en-US"/>
-              <a:t>@jbogard</a:t>
-            </a:r>
-            <a:endParaRPr lang="en-US" dirty="0"/>
-          </a:p>
-        </p:txBody>
-      </p:sp>
-      <p:sp>
-        <p:nvSpPr>
-          <p:cNvPr id="4" name="TextBox 3">
-            <a:extLst>
-              <a:ext uri="{FF2B5EF4-FFF2-40B4-BE49-F238E27FC236}">
-                <a16:creationId xmlns:a16="http://schemas.microsoft.com/office/drawing/2014/main" id="{00B40EB7-2E1B-4E8C-BA46-FCC8C14B9A0D}"/>
-              </a:ext>
-            </a:extLst>
-          </p:cNvPr>
-          <p:cNvSpPr txBox="1"/>
-          <p:nvPr/>
-        </p:nvSpPr>
-        <p:spPr>
-          <a:xfrm>
-            <a:off x="1767208" y="933650"/>
-            <a:ext cx="8305405" cy="4524315"/>
-          </a:xfrm>
-          <a:prstGeom prst="rect">
-            <a:avLst/>
-          </a:prstGeom>
-          <a:noFill/>
-        </p:spPr>
-        <p:txBody>
-          <a:bodyPr wrap="square" rtlCol="0">
-            <a:spAutoFit/>
-          </a:bodyPr>
-          <a:lstStyle/>
-          <a:p>
-            <a:pPr algn="ctr"/>
-            <a:r>
-              <a:rPr lang="en-US" altLang="ja-JP" sz="9600" dirty="0">
-                <a:solidFill>
-                  <a:srgbClr val="FF0000"/>
-                </a:solidFill>
-              </a:rPr>
-              <a:t>¯\_(</a:t>
-            </a:r>
-            <a:r>
-              <a:rPr lang="ja-JP" altLang="en-US" sz="9600" dirty="0">
-                <a:solidFill>
-                  <a:srgbClr val="FF0000"/>
-                </a:solidFill>
-              </a:rPr>
-              <a:t>ツ</a:t>
-            </a:r>
-            <a:r>
-              <a:rPr lang="en-US" altLang="ja-JP" sz="9600" dirty="0">
-                <a:solidFill>
-                  <a:srgbClr val="FF0000"/>
-                </a:solidFill>
-              </a:rPr>
-              <a:t>)_/¯</a:t>
-            </a:r>
-            <a:endParaRPr lang="en-US" sz="9600" dirty="0">
-              <a:solidFill>
-                <a:srgbClr val="FF0000"/>
-              </a:solidFill>
-            </a:endParaRPr>
-          </a:p>
-          <a:p>
-            <a:pPr algn="ctr"/>
-            <a:r>
-              <a:rPr lang="en-US" altLang="ja-JP" sz="9600" dirty="0">
-                <a:solidFill>
-                  <a:srgbClr val="00B050"/>
-                </a:solidFill>
-              </a:rPr>
-              <a:t>¯\_(</a:t>
-            </a:r>
-            <a:r>
-              <a:rPr lang="ja-JP" altLang="en-US" sz="9600" dirty="0">
-                <a:solidFill>
-                  <a:srgbClr val="00B050"/>
-                </a:solidFill>
-              </a:rPr>
-              <a:t>ツ</a:t>
-            </a:r>
-            <a:r>
-              <a:rPr lang="en-US" altLang="ja-JP" sz="9600" dirty="0">
-                <a:solidFill>
-                  <a:srgbClr val="00B050"/>
-                </a:solidFill>
-              </a:rPr>
-              <a:t>)_/¯</a:t>
-            </a:r>
-            <a:endParaRPr lang="en-US" sz="9600" dirty="0">
-              <a:solidFill>
-                <a:srgbClr val="00B050"/>
-              </a:solidFill>
-            </a:endParaRPr>
-          </a:p>
-          <a:p>
-            <a:pPr algn="ctr"/>
-            <a:r>
-              <a:rPr lang="en-US" sz="9600" dirty="0">
-                <a:solidFill>
-                  <a:srgbClr val="00B0F0"/>
-                </a:solidFill>
-              </a:rPr>
-              <a:t>Refactor</a:t>
-            </a:r>
-          </a:p>
-        </p:txBody>
-      </p:sp>
-    </p:spTree>
-    <p:extLst>
-      <p:ext uri="{BB962C8B-B14F-4D97-AF65-F5344CB8AC3E}">
-        <p14:creationId xmlns:p14="http://schemas.microsoft.com/office/powerpoint/2010/main" val="1393364339"/>
-      </p:ext>
-    </p:extLst>
-  </p:cSld>
-  <p:clrMapOvr>
-    <a:masterClrMapping/>
-  </p:clrMapOvr>
-</p:sld>
-</file>
-
-<file path=ppt/slides/slide7.xml><?xml version="1.0" encoding="utf-8"?>
-<p:sld xmlns:a="http://schemas.openxmlformats.org/drawingml/2006/main" xmlns:r="http://schemas.openxmlformats.org/officeDocument/2006/relationships" xmlns:p="http://schemas.openxmlformats.org/presentationml/2006/main">
-  <p:cSld>
-    <p:spTree>
-      <p:nvGrpSpPr>
-        <p:cNvPr id="1" name=""/>
-        <p:cNvGrpSpPr/>
-        <p:nvPr/>
-      </p:nvGrpSpPr>
-      <p:grpSpPr>
-        <a:xfrm>
-          <a:off x="0" y="0"/>
-          <a:ext cx="0" cy="0"/>
-          <a:chOff x="0" y="0"/>
-          <a:chExt cx="0" cy="0"/>
-        </a:xfrm>
-      </p:grpSpPr>
-      <p:sp>
-        <p:nvSpPr>
-          <p:cNvPr id="12" name="Title 11">
-            <a:extLst>
-              <a:ext uri="{FF2B5EF4-FFF2-40B4-BE49-F238E27FC236}">
-                <a16:creationId xmlns:a16="http://schemas.microsoft.com/office/drawing/2014/main" id="{62486DA5-D343-4747-A4FD-3308D26D4753}"/>
-              </a:ext>
-            </a:extLst>
-          </p:cNvPr>
-          <p:cNvSpPr>
-            <a:spLocks noGrp="1"/>
-          </p:cNvSpPr>
-          <p:nvPr>
-            <p:ph type="ctrTitle"/>
-          </p:nvPr>
-        </p:nvSpPr>
-        <p:spPr>
-          <a:xfrm>
-            <a:off x="1524000" y="2235200"/>
-            <a:ext cx="9144000" cy="2387600"/>
-          </a:xfrm>
-        </p:spPr>
-        <p:txBody>
-          <a:bodyPr anchor="ctr">
-            <a:normAutofit/>
-          </a:bodyPr>
-          <a:lstStyle/>
-          <a:p>
-            <a:r>
-              <a:rPr lang="en-US" sz="7200" dirty="0"/>
-              <a:t>Shoulders of Giants</a:t>
-            </a:r>
-          </a:p>
-        </p:txBody>
-      </p:sp>
-      <p:sp>
-        <p:nvSpPr>
-          <p:cNvPr id="11" name="Date Placeholder 10">
-            <a:extLst>
-              <a:ext uri="{FF2B5EF4-FFF2-40B4-BE49-F238E27FC236}">
-                <a16:creationId xmlns:a16="http://schemas.microsoft.com/office/drawing/2014/main" id="{A96DA99A-4157-43C2-98A4-42632CE752A4}"/>
-              </a:ext>
-            </a:extLst>
-          </p:cNvPr>
-          <p:cNvSpPr>
-            <a:spLocks noGrp="1"/>
-          </p:cNvSpPr>
-          <p:nvPr>
-            <p:ph type="dt" sz="half" idx="10"/>
-          </p:nvPr>
-        </p:nvSpPr>
-        <p:spPr/>
-        <p:txBody>
-          <a:bodyPr/>
-          <a:lstStyle/>
-          <a:p>
-            <a:r>
-              <a:rPr lang="en-US"/>
-              <a:t>@jbogard</a:t>
-            </a:r>
-            <a:endParaRPr lang="en-US" dirty="0"/>
-          </a:p>
-        </p:txBody>
-      </p:sp>
-    </p:spTree>
-    <p:extLst>
-      <p:ext uri="{BB962C8B-B14F-4D97-AF65-F5344CB8AC3E}">
-        <p14:creationId xmlns:p14="http://schemas.microsoft.com/office/powerpoint/2010/main" val="125207090"/>
-      </p:ext>
-    </p:extLst>
-  </p:cSld>
-  <p:clrMapOvr>
-    <a:masterClrMapping/>
-  </p:clrMapOvr>
-</p:sld>
-</file>
-
-<file path=ppt/slides/slide8.xml><?xml version="1.0" encoding="utf-8"?>
+<file path=ppt/slides/slide13.xml><?xml version="1.0" encoding="utf-8"?>
 <p:sld xmlns:a="http://schemas.openxmlformats.org/drawingml/2006/main" xmlns:r="http://schemas.openxmlformats.org/officeDocument/2006/relationships" xmlns:p="http://schemas.openxmlformats.org/presentationml/2006/main">
   <p:cSld>
     <p:spTree>
@@ -5111,6 +4775,966 @@
     <p:extLst>
       <p:ext uri="{BB962C8B-B14F-4D97-AF65-F5344CB8AC3E}">
         <p14:creationId xmlns:p14="http://schemas.microsoft.com/office/powerpoint/2010/main" val="1896525619"/>
+      </p:ext>
+    </p:extLst>
+  </p:cSld>
+  <p:clrMapOvr>
+    <a:masterClrMapping/>
+  </p:clrMapOvr>
+</p:sld>
+</file>
+
+<file path=ppt/slides/slide2.xml><?xml version="1.0" encoding="utf-8"?>
+<p:sld xmlns:a="http://schemas.openxmlformats.org/drawingml/2006/main" xmlns:r="http://schemas.openxmlformats.org/officeDocument/2006/relationships" xmlns:p="http://schemas.openxmlformats.org/presentationml/2006/main">
+  <p:cSld>
+    <p:spTree>
+      <p:nvGrpSpPr>
+        <p:cNvPr id="1" name=""/>
+        <p:cNvGrpSpPr/>
+        <p:nvPr/>
+      </p:nvGrpSpPr>
+      <p:grpSpPr>
+        <a:xfrm>
+          <a:off x="0" y="0"/>
+          <a:ext cx="0" cy="0"/>
+          <a:chOff x="0" y="0"/>
+          <a:chExt cx="0" cy="0"/>
+        </a:xfrm>
+      </p:grpSpPr>
+      <p:sp>
+        <p:nvSpPr>
+          <p:cNvPr id="12" name="Title 11">
+            <a:extLst>
+              <a:ext uri="{FF2B5EF4-FFF2-40B4-BE49-F238E27FC236}">
+                <a16:creationId xmlns:a16="http://schemas.microsoft.com/office/drawing/2014/main" id="{62486DA5-D343-4747-A4FD-3308D26D4753}"/>
+              </a:ext>
+            </a:extLst>
+          </p:cNvPr>
+          <p:cNvSpPr>
+            <a:spLocks noGrp="1"/>
+          </p:cNvSpPr>
+          <p:nvPr>
+            <p:ph type="ctrTitle"/>
+          </p:nvPr>
+        </p:nvSpPr>
+        <p:spPr>
+          <a:xfrm>
+            <a:off x="867812" y="2235200"/>
+            <a:ext cx="10456377" cy="2387600"/>
+          </a:xfrm>
+        </p:spPr>
+        <p:txBody>
+          <a:bodyPr anchor="ctr">
+            <a:normAutofit/>
+          </a:bodyPr>
+          <a:lstStyle/>
+          <a:p>
+            <a:r>
+              <a:rPr lang="en-US" dirty="0"/>
+              <a:t>What is</a:t>
+            </a:r>
+            <a:br>
+              <a:rPr lang="en-US" dirty="0"/>
+            </a:br>
+            <a:r>
+              <a:rPr lang="en-US" dirty="0"/>
+              <a:t>Domain-Driven Design?</a:t>
+            </a:r>
+          </a:p>
+        </p:txBody>
+      </p:sp>
+      <p:sp>
+        <p:nvSpPr>
+          <p:cNvPr id="11" name="Date Placeholder 10">
+            <a:extLst>
+              <a:ext uri="{FF2B5EF4-FFF2-40B4-BE49-F238E27FC236}">
+                <a16:creationId xmlns:a16="http://schemas.microsoft.com/office/drawing/2014/main" id="{A96DA99A-4157-43C2-98A4-42632CE752A4}"/>
+              </a:ext>
+            </a:extLst>
+          </p:cNvPr>
+          <p:cNvSpPr>
+            <a:spLocks noGrp="1"/>
+          </p:cNvSpPr>
+          <p:nvPr>
+            <p:ph type="dt" sz="half" idx="10"/>
+          </p:nvPr>
+        </p:nvSpPr>
+        <p:spPr/>
+        <p:txBody>
+          <a:bodyPr/>
+          <a:lstStyle/>
+          <a:p>
+            <a:r>
+              <a:rPr lang="en-US"/>
+              <a:t>@jbogard</a:t>
+            </a:r>
+            <a:endParaRPr lang="en-US" dirty="0"/>
+          </a:p>
+        </p:txBody>
+      </p:sp>
+    </p:spTree>
+    <p:extLst>
+      <p:ext uri="{BB962C8B-B14F-4D97-AF65-F5344CB8AC3E}">
+        <p14:creationId xmlns:p14="http://schemas.microsoft.com/office/powerpoint/2010/main" val="2171897486"/>
+      </p:ext>
+    </p:extLst>
+  </p:cSld>
+  <p:clrMapOvr>
+    <a:masterClrMapping/>
+  </p:clrMapOvr>
+</p:sld>
+</file>
+
+<file path=ppt/slides/slide3.xml><?xml version="1.0" encoding="utf-8"?>
+<p:sld xmlns:a="http://schemas.openxmlformats.org/drawingml/2006/main" xmlns:r="http://schemas.openxmlformats.org/officeDocument/2006/relationships" xmlns:p="http://schemas.openxmlformats.org/presentationml/2006/main">
+  <p:cSld>
+    <p:spTree>
+      <p:nvGrpSpPr>
+        <p:cNvPr id="1" name=""/>
+        <p:cNvGrpSpPr/>
+        <p:nvPr/>
+      </p:nvGrpSpPr>
+      <p:grpSpPr>
+        <a:xfrm>
+          <a:off x="0" y="0"/>
+          <a:ext cx="0" cy="0"/>
+          <a:chOff x="0" y="0"/>
+          <a:chExt cx="0" cy="0"/>
+        </a:xfrm>
+      </p:grpSpPr>
+      <p:sp>
+        <p:nvSpPr>
+          <p:cNvPr id="12" name="Title 11">
+            <a:extLst>
+              <a:ext uri="{FF2B5EF4-FFF2-40B4-BE49-F238E27FC236}">
+                <a16:creationId xmlns:a16="http://schemas.microsoft.com/office/drawing/2014/main" id="{62486DA5-D343-4747-A4FD-3308D26D4753}"/>
+              </a:ext>
+            </a:extLst>
+          </p:cNvPr>
+          <p:cNvSpPr>
+            <a:spLocks noGrp="1"/>
+          </p:cNvSpPr>
+          <p:nvPr>
+            <p:ph type="ctrTitle"/>
+          </p:nvPr>
+        </p:nvSpPr>
+        <p:spPr>
+          <a:xfrm>
+            <a:off x="1524000" y="2235200"/>
+            <a:ext cx="9144000" cy="2387600"/>
+          </a:xfrm>
+        </p:spPr>
+        <p:txBody>
+          <a:bodyPr anchor="ctr"/>
+          <a:lstStyle/>
+          <a:p>
+            <a:r>
+              <a:rPr lang="en-US" dirty="0"/>
+              <a:t>What is</a:t>
+            </a:r>
+            <a:br>
+              <a:rPr lang="en-US" dirty="0"/>
+            </a:br>
+            <a:r>
+              <a:rPr lang="en-US" dirty="0"/>
+              <a:t>a domain model?</a:t>
+            </a:r>
+          </a:p>
+        </p:txBody>
+      </p:sp>
+      <p:sp>
+        <p:nvSpPr>
+          <p:cNvPr id="11" name="Date Placeholder 10">
+            <a:extLst>
+              <a:ext uri="{FF2B5EF4-FFF2-40B4-BE49-F238E27FC236}">
+                <a16:creationId xmlns:a16="http://schemas.microsoft.com/office/drawing/2014/main" id="{A96DA99A-4157-43C2-98A4-42632CE752A4}"/>
+              </a:ext>
+            </a:extLst>
+          </p:cNvPr>
+          <p:cNvSpPr>
+            <a:spLocks noGrp="1"/>
+          </p:cNvSpPr>
+          <p:nvPr>
+            <p:ph type="dt" sz="half" idx="10"/>
+          </p:nvPr>
+        </p:nvSpPr>
+        <p:spPr/>
+        <p:txBody>
+          <a:bodyPr/>
+          <a:lstStyle/>
+          <a:p>
+            <a:r>
+              <a:rPr lang="en-US"/>
+              <a:t>@jbogard</a:t>
+            </a:r>
+            <a:endParaRPr lang="en-US" dirty="0"/>
+          </a:p>
+        </p:txBody>
+      </p:sp>
+    </p:spTree>
+    <p:extLst>
+      <p:ext uri="{BB962C8B-B14F-4D97-AF65-F5344CB8AC3E}">
+        <p14:creationId xmlns:p14="http://schemas.microsoft.com/office/powerpoint/2010/main" val="2298955357"/>
+      </p:ext>
+    </p:extLst>
+  </p:cSld>
+  <p:clrMapOvr>
+    <a:masterClrMapping/>
+  </p:clrMapOvr>
+</p:sld>
+</file>
+
+<file path=ppt/slides/slide4.xml><?xml version="1.0" encoding="utf-8"?>
+<p:sld xmlns:a="http://schemas.openxmlformats.org/drawingml/2006/main" xmlns:r="http://schemas.openxmlformats.org/officeDocument/2006/relationships" xmlns:p="http://schemas.openxmlformats.org/presentationml/2006/main">
+  <p:cSld>
+    <p:spTree>
+      <p:nvGrpSpPr>
+        <p:cNvPr id="1" name=""/>
+        <p:cNvGrpSpPr/>
+        <p:nvPr/>
+      </p:nvGrpSpPr>
+      <p:grpSpPr>
+        <a:xfrm>
+          <a:off x="0" y="0"/>
+          <a:ext cx="0" cy="0"/>
+          <a:chOff x="0" y="0"/>
+          <a:chExt cx="0" cy="0"/>
+        </a:xfrm>
+      </p:grpSpPr>
+      <p:sp>
+        <p:nvSpPr>
+          <p:cNvPr id="12" name="Title 11">
+            <a:extLst>
+              <a:ext uri="{FF2B5EF4-FFF2-40B4-BE49-F238E27FC236}">
+                <a16:creationId xmlns:a16="http://schemas.microsoft.com/office/drawing/2014/main" id="{62486DA5-D343-4747-A4FD-3308D26D4753}"/>
+              </a:ext>
+            </a:extLst>
+          </p:cNvPr>
+          <p:cNvSpPr>
+            <a:spLocks noGrp="1"/>
+          </p:cNvSpPr>
+          <p:nvPr>
+            <p:ph type="ctrTitle"/>
+          </p:nvPr>
+        </p:nvSpPr>
+        <p:spPr>
+          <a:xfrm>
+            <a:off x="1524000" y="2235200"/>
+            <a:ext cx="9144000" cy="2387600"/>
+          </a:xfrm>
+        </p:spPr>
+        <p:txBody>
+          <a:bodyPr anchor="ctr"/>
+          <a:lstStyle/>
+          <a:p>
+            <a:r>
+              <a:rPr lang="en-US" dirty="0"/>
+              <a:t>But my code,</a:t>
+            </a:r>
+            <a:br>
+              <a:rPr lang="en-US" dirty="0"/>
+            </a:br>
+            <a:r>
+              <a:rPr lang="en-US" dirty="0"/>
+              <a:t>it sucks!</a:t>
+            </a:r>
+          </a:p>
+        </p:txBody>
+      </p:sp>
+      <p:sp>
+        <p:nvSpPr>
+          <p:cNvPr id="11" name="Date Placeholder 10">
+            <a:extLst>
+              <a:ext uri="{FF2B5EF4-FFF2-40B4-BE49-F238E27FC236}">
+                <a16:creationId xmlns:a16="http://schemas.microsoft.com/office/drawing/2014/main" id="{A96DA99A-4157-43C2-98A4-42632CE752A4}"/>
+              </a:ext>
+            </a:extLst>
+          </p:cNvPr>
+          <p:cNvSpPr>
+            <a:spLocks noGrp="1"/>
+          </p:cNvSpPr>
+          <p:nvPr>
+            <p:ph type="dt" sz="half" idx="10"/>
+          </p:nvPr>
+        </p:nvSpPr>
+        <p:spPr/>
+        <p:txBody>
+          <a:bodyPr/>
+          <a:lstStyle/>
+          <a:p>
+            <a:r>
+              <a:rPr lang="en-US"/>
+              <a:t>@jbogard</a:t>
+            </a:r>
+            <a:endParaRPr lang="en-US" dirty="0"/>
+          </a:p>
+        </p:txBody>
+      </p:sp>
+    </p:spTree>
+    <p:extLst>
+      <p:ext uri="{BB962C8B-B14F-4D97-AF65-F5344CB8AC3E}">
+        <p14:creationId xmlns:p14="http://schemas.microsoft.com/office/powerpoint/2010/main" val="3855896484"/>
+      </p:ext>
+    </p:extLst>
+  </p:cSld>
+  <p:clrMapOvr>
+    <a:masterClrMapping/>
+  </p:clrMapOvr>
+</p:sld>
+</file>
+
+<file path=ppt/slides/slide5.xml><?xml version="1.0" encoding="utf-8"?>
+<p:sld xmlns:a="http://schemas.openxmlformats.org/drawingml/2006/main" xmlns:r="http://schemas.openxmlformats.org/officeDocument/2006/relationships" xmlns:p="http://schemas.openxmlformats.org/presentationml/2006/main">
+  <p:cSld>
+    <p:spTree>
+      <p:nvGrpSpPr>
+        <p:cNvPr id="1" name=""/>
+        <p:cNvGrpSpPr/>
+        <p:nvPr/>
+      </p:nvGrpSpPr>
+      <p:grpSpPr>
+        <a:xfrm>
+          <a:off x="0" y="0"/>
+          <a:ext cx="0" cy="0"/>
+          <a:chOff x="0" y="0"/>
+          <a:chExt cx="0" cy="0"/>
+        </a:xfrm>
+      </p:grpSpPr>
+      <p:sp>
+        <p:nvSpPr>
+          <p:cNvPr id="3" name="Date Placeholder 2">
+            <a:extLst>
+              <a:ext uri="{FF2B5EF4-FFF2-40B4-BE49-F238E27FC236}">
+                <a16:creationId xmlns:a16="http://schemas.microsoft.com/office/drawing/2014/main" id="{20776859-6EEF-4063-BB11-560F4A285809}"/>
+              </a:ext>
+            </a:extLst>
+          </p:cNvPr>
+          <p:cNvSpPr>
+            <a:spLocks noGrp="1"/>
+          </p:cNvSpPr>
+          <p:nvPr>
+            <p:ph type="dt" sz="half" idx="10"/>
+          </p:nvPr>
+        </p:nvSpPr>
+        <p:spPr/>
+        <p:txBody>
+          <a:bodyPr/>
+          <a:lstStyle/>
+          <a:p>
+            <a:r>
+              <a:rPr lang="en-US"/>
+              <a:t>@jbogard</a:t>
+            </a:r>
+            <a:endParaRPr lang="en-US" dirty="0"/>
+          </a:p>
+        </p:txBody>
+      </p:sp>
+      <p:sp>
+        <p:nvSpPr>
+          <p:cNvPr id="4" name="TextBox 3">
+            <a:extLst>
+              <a:ext uri="{FF2B5EF4-FFF2-40B4-BE49-F238E27FC236}">
+                <a16:creationId xmlns:a16="http://schemas.microsoft.com/office/drawing/2014/main" id="{00B40EB7-2E1B-4E8C-BA46-FCC8C14B9A0D}"/>
+              </a:ext>
+            </a:extLst>
+          </p:cNvPr>
+          <p:cNvSpPr txBox="1"/>
+          <p:nvPr/>
+        </p:nvSpPr>
+        <p:spPr>
+          <a:xfrm>
+            <a:off x="2763253" y="933650"/>
+            <a:ext cx="6665494" cy="4524315"/>
+          </a:xfrm>
+          <a:prstGeom prst="rect">
+            <a:avLst/>
+          </a:prstGeom>
+          <a:noFill/>
+        </p:spPr>
+        <p:txBody>
+          <a:bodyPr wrap="square" rtlCol="0">
+            <a:spAutoFit/>
+          </a:bodyPr>
+          <a:lstStyle/>
+          <a:p>
+            <a:pPr algn="ctr"/>
+            <a:r>
+              <a:rPr lang="en-US" sz="9600" dirty="0">
+                <a:solidFill>
+                  <a:srgbClr val="FF0000"/>
+                </a:solidFill>
+              </a:rPr>
+              <a:t>Red</a:t>
+            </a:r>
+          </a:p>
+          <a:p>
+            <a:pPr algn="ctr"/>
+            <a:r>
+              <a:rPr lang="en-US" sz="9600" dirty="0">
+                <a:solidFill>
+                  <a:srgbClr val="00B050"/>
+                </a:solidFill>
+              </a:rPr>
+              <a:t>Green</a:t>
+            </a:r>
+          </a:p>
+          <a:p>
+            <a:pPr algn="ctr"/>
+            <a:r>
+              <a:rPr lang="en-US" sz="9600" dirty="0">
+                <a:solidFill>
+                  <a:srgbClr val="00B0F0"/>
+                </a:solidFill>
+              </a:rPr>
+              <a:t>Refactor</a:t>
+            </a:r>
+          </a:p>
+        </p:txBody>
+      </p:sp>
+    </p:spTree>
+    <p:extLst>
+      <p:ext uri="{BB962C8B-B14F-4D97-AF65-F5344CB8AC3E}">
+        <p14:creationId xmlns:p14="http://schemas.microsoft.com/office/powerpoint/2010/main" val="4256676816"/>
+      </p:ext>
+    </p:extLst>
+  </p:cSld>
+  <p:clrMapOvr>
+    <a:masterClrMapping/>
+  </p:clrMapOvr>
+</p:sld>
+</file>
+
+<file path=ppt/slides/slide6.xml><?xml version="1.0" encoding="utf-8"?>
+<p:sld xmlns:a="http://schemas.openxmlformats.org/drawingml/2006/main" xmlns:r="http://schemas.openxmlformats.org/officeDocument/2006/relationships" xmlns:p="http://schemas.openxmlformats.org/presentationml/2006/main">
+  <p:cSld>
+    <p:spTree>
+      <p:nvGrpSpPr>
+        <p:cNvPr id="1" name=""/>
+        <p:cNvGrpSpPr/>
+        <p:nvPr/>
+      </p:nvGrpSpPr>
+      <p:grpSpPr>
+        <a:xfrm>
+          <a:off x="0" y="0"/>
+          <a:ext cx="0" cy="0"/>
+          <a:chOff x="0" y="0"/>
+          <a:chExt cx="0" cy="0"/>
+        </a:xfrm>
+      </p:grpSpPr>
+      <p:sp>
+        <p:nvSpPr>
+          <p:cNvPr id="3" name="Date Placeholder 2">
+            <a:extLst>
+              <a:ext uri="{FF2B5EF4-FFF2-40B4-BE49-F238E27FC236}">
+                <a16:creationId xmlns:a16="http://schemas.microsoft.com/office/drawing/2014/main" id="{20776859-6EEF-4063-BB11-560F4A285809}"/>
+              </a:ext>
+            </a:extLst>
+          </p:cNvPr>
+          <p:cNvSpPr>
+            <a:spLocks noGrp="1"/>
+          </p:cNvSpPr>
+          <p:nvPr>
+            <p:ph type="dt" sz="half" idx="10"/>
+          </p:nvPr>
+        </p:nvSpPr>
+        <p:spPr/>
+        <p:txBody>
+          <a:bodyPr/>
+          <a:lstStyle/>
+          <a:p>
+            <a:r>
+              <a:rPr lang="en-US"/>
+              <a:t>@jbogard</a:t>
+            </a:r>
+            <a:endParaRPr lang="en-US" dirty="0"/>
+          </a:p>
+        </p:txBody>
+      </p:sp>
+      <p:sp>
+        <p:nvSpPr>
+          <p:cNvPr id="4" name="TextBox 3">
+            <a:extLst>
+              <a:ext uri="{FF2B5EF4-FFF2-40B4-BE49-F238E27FC236}">
+                <a16:creationId xmlns:a16="http://schemas.microsoft.com/office/drawing/2014/main" id="{00B40EB7-2E1B-4E8C-BA46-FCC8C14B9A0D}"/>
+              </a:ext>
+            </a:extLst>
+          </p:cNvPr>
+          <p:cNvSpPr txBox="1"/>
+          <p:nvPr/>
+        </p:nvSpPr>
+        <p:spPr>
+          <a:xfrm>
+            <a:off x="1943298" y="933650"/>
+            <a:ext cx="8305405" cy="4524315"/>
+          </a:xfrm>
+          <a:prstGeom prst="rect">
+            <a:avLst/>
+          </a:prstGeom>
+          <a:noFill/>
+        </p:spPr>
+        <p:txBody>
+          <a:bodyPr wrap="square" rtlCol="0">
+            <a:spAutoFit/>
+          </a:bodyPr>
+          <a:lstStyle/>
+          <a:p>
+            <a:pPr algn="ctr"/>
+            <a:r>
+              <a:rPr lang="en-US" altLang="ja-JP" sz="9600" dirty="0">
+                <a:solidFill>
+                  <a:srgbClr val="FF0000"/>
+                </a:solidFill>
+              </a:rPr>
+              <a:t>¯\_(</a:t>
+            </a:r>
+            <a:r>
+              <a:rPr lang="ja-JP" altLang="en-US" sz="9600" dirty="0">
+                <a:solidFill>
+                  <a:srgbClr val="FF0000"/>
+                </a:solidFill>
+              </a:rPr>
+              <a:t>ツ</a:t>
+            </a:r>
+            <a:r>
+              <a:rPr lang="en-US" altLang="ja-JP" sz="9600" dirty="0">
+                <a:solidFill>
+                  <a:srgbClr val="FF0000"/>
+                </a:solidFill>
+              </a:rPr>
+              <a:t>)_/¯</a:t>
+            </a:r>
+            <a:endParaRPr lang="en-US" sz="9600" dirty="0">
+              <a:solidFill>
+                <a:srgbClr val="FF0000"/>
+              </a:solidFill>
+            </a:endParaRPr>
+          </a:p>
+          <a:p>
+            <a:pPr algn="ctr"/>
+            <a:r>
+              <a:rPr lang="en-US" altLang="ja-JP" sz="9600" dirty="0">
+                <a:solidFill>
+                  <a:srgbClr val="00B050"/>
+                </a:solidFill>
+              </a:rPr>
+              <a:t>¯\_(</a:t>
+            </a:r>
+            <a:r>
+              <a:rPr lang="ja-JP" altLang="en-US" sz="9600" dirty="0">
+                <a:solidFill>
+                  <a:srgbClr val="00B050"/>
+                </a:solidFill>
+              </a:rPr>
+              <a:t>ツ</a:t>
+            </a:r>
+            <a:r>
+              <a:rPr lang="en-US" altLang="ja-JP" sz="9600" dirty="0">
+                <a:solidFill>
+                  <a:srgbClr val="00B050"/>
+                </a:solidFill>
+              </a:rPr>
+              <a:t>)_/¯</a:t>
+            </a:r>
+            <a:endParaRPr lang="en-US" sz="9600" dirty="0">
+              <a:solidFill>
+                <a:srgbClr val="00B050"/>
+              </a:solidFill>
+            </a:endParaRPr>
+          </a:p>
+          <a:p>
+            <a:pPr algn="ctr"/>
+            <a:r>
+              <a:rPr lang="en-US" sz="9600" dirty="0">
+                <a:solidFill>
+                  <a:srgbClr val="00B0F0"/>
+                </a:solidFill>
+              </a:rPr>
+              <a:t>Refactor</a:t>
+            </a:r>
+          </a:p>
+        </p:txBody>
+      </p:sp>
+    </p:spTree>
+    <p:extLst>
+      <p:ext uri="{BB962C8B-B14F-4D97-AF65-F5344CB8AC3E}">
+        <p14:creationId xmlns:p14="http://schemas.microsoft.com/office/powerpoint/2010/main" val="1393364339"/>
+      </p:ext>
+    </p:extLst>
+  </p:cSld>
+  <p:clrMapOvr>
+    <a:masterClrMapping/>
+  </p:clrMapOvr>
+</p:sld>
+</file>
+
+<file path=ppt/slides/slide7.xml><?xml version="1.0" encoding="utf-8"?>
+<p:sld xmlns:a="http://schemas.openxmlformats.org/drawingml/2006/main" xmlns:r="http://schemas.openxmlformats.org/officeDocument/2006/relationships" xmlns:p="http://schemas.openxmlformats.org/presentationml/2006/main">
+  <p:cSld>
+    <p:spTree>
+      <p:nvGrpSpPr>
+        <p:cNvPr id="1" name=""/>
+        <p:cNvGrpSpPr/>
+        <p:nvPr/>
+      </p:nvGrpSpPr>
+      <p:grpSpPr>
+        <a:xfrm>
+          <a:off x="0" y="0"/>
+          <a:ext cx="0" cy="0"/>
+          <a:chOff x="0" y="0"/>
+          <a:chExt cx="0" cy="0"/>
+        </a:xfrm>
+      </p:grpSpPr>
+      <p:sp>
+        <p:nvSpPr>
+          <p:cNvPr id="12" name="Title 11">
+            <a:extLst>
+              <a:ext uri="{FF2B5EF4-FFF2-40B4-BE49-F238E27FC236}">
+                <a16:creationId xmlns:a16="http://schemas.microsoft.com/office/drawing/2014/main" id="{62486DA5-D343-4747-A4FD-3308D26D4753}"/>
+              </a:ext>
+            </a:extLst>
+          </p:cNvPr>
+          <p:cNvSpPr>
+            <a:spLocks noGrp="1"/>
+          </p:cNvSpPr>
+          <p:nvPr>
+            <p:ph type="ctrTitle"/>
+          </p:nvPr>
+        </p:nvSpPr>
+        <p:spPr>
+          <a:xfrm>
+            <a:off x="1524000" y="2235200"/>
+            <a:ext cx="9144000" cy="2387600"/>
+          </a:xfrm>
+        </p:spPr>
+        <p:txBody>
+          <a:bodyPr anchor="ctr">
+            <a:normAutofit/>
+          </a:bodyPr>
+          <a:lstStyle/>
+          <a:p>
+            <a:r>
+              <a:rPr lang="en-US" sz="7200" dirty="0"/>
+              <a:t>Shoulders of Giants</a:t>
+            </a:r>
+          </a:p>
+        </p:txBody>
+      </p:sp>
+      <p:sp>
+        <p:nvSpPr>
+          <p:cNvPr id="11" name="Date Placeholder 10">
+            <a:extLst>
+              <a:ext uri="{FF2B5EF4-FFF2-40B4-BE49-F238E27FC236}">
+                <a16:creationId xmlns:a16="http://schemas.microsoft.com/office/drawing/2014/main" id="{A96DA99A-4157-43C2-98A4-42632CE752A4}"/>
+              </a:ext>
+            </a:extLst>
+          </p:cNvPr>
+          <p:cNvSpPr>
+            <a:spLocks noGrp="1"/>
+          </p:cNvSpPr>
+          <p:nvPr>
+            <p:ph type="dt" sz="half" idx="10"/>
+          </p:nvPr>
+        </p:nvSpPr>
+        <p:spPr/>
+        <p:txBody>
+          <a:bodyPr/>
+          <a:lstStyle/>
+          <a:p>
+            <a:r>
+              <a:rPr lang="en-US"/>
+              <a:t>@jbogard</a:t>
+            </a:r>
+            <a:endParaRPr lang="en-US" dirty="0"/>
+          </a:p>
+        </p:txBody>
+      </p:sp>
+    </p:spTree>
+    <p:extLst>
+      <p:ext uri="{BB962C8B-B14F-4D97-AF65-F5344CB8AC3E}">
+        <p14:creationId xmlns:p14="http://schemas.microsoft.com/office/powerpoint/2010/main" val="125207090"/>
+      </p:ext>
+    </p:extLst>
+  </p:cSld>
+  <p:clrMapOvr>
+    <a:masterClrMapping/>
+  </p:clrMapOvr>
+</p:sld>
+</file>
+
+<file path=ppt/slides/slide8.xml><?xml version="1.0" encoding="utf-8"?>
+<p:sld xmlns:a="http://schemas.openxmlformats.org/drawingml/2006/main" xmlns:r="http://schemas.openxmlformats.org/officeDocument/2006/relationships" xmlns:p="http://schemas.openxmlformats.org/presentationml/2006/main">
+  <p:cSld>
+    <p:spTree>
+      <p:nvGrpSpPr>
+        <p:cNvPr id="1" name=""/>
+        <p:cNvGrpSpPr/>
+        <p:nvPr/>
+      </p:nvGrpSpPr>
+      <p:grpSpPr>
+        <a:xfrm>
+          <a:off x="0" y="0"/>
+          <a:ext cx="0" cy="0"/>
+          <a:chOff x="0" y="0"/>
+          <a:chExt cx="0" cy="0"/>
+        </a:xfrm>
+      </p:grpSpPr>
+      <p:sp>
+        <p:nvSpPr>
+          <p:cNvPr id="2" name="Date Placeholder 1">
+            <a:extLst>
+              <a:ext uri="{FF2B5EF4-FFF2-40B4-BE49-F238E27FC236}">
+                <a16:creationId xmlns:a16="http://schemas.microsoft.com/office/drawing/2014/main" id="{8B9494B4-C24A-4C86-A04A-A4685426560E}"/>
+              </a:ext>
+            </a:extLst>
+          </p:cNvPr>
+          <p:cNvSpPr>
+            <a:spLocks noGrp="1"/>
+          </p:cNvSpPr>
+          <p:nvPr>
+            <p:ph type="dt" sz="half" idx="10"/>
+          </p:nvPr>
+        </p:nvSpPr>
+        <p:spPr/>
+        <p:txBody>
+          <a:bodyPr/>
+          <a:lstStyle/>
+          <a:p>
+            <a:r>
+              <a:rPr lang="en-US"/>
+              <a:t>@jbogard</a:t>
+            </a:r>
+            <a:endParaRPr lang="en-US" dirty="0"/>
+          </a:p>
+        </p:txBody>
+      </p:sp>
+      <p:pic>
+        <p:nvPicPr>
+          <p:cNvPr id="3" name="Picture 2">
+            <a:extLst>
+              <a:ext uri="{FF2B5EF4-FFF2-40B4-BE49-F238E27FC236}">
+                <a16:creationId xmlns:a16="http://schemas.microsoft.com/office/drawing/2014/main" id="{009354C1-4906-42D9-9481-3C757D735E9E}"/>
+              </a:ext>
+            </a:extLst>
+          </p:cNvPr>
+          <p:cNvPicPr>
+            <a:picLocks noChangeAspect="1" noChangeArrowheads="1"/>
+          </p:cNvPicPr>
+          <p:nvPr/>
+        </p:nvPicPr>
+        <p:blipFill>
+          <a:blip r:embed="rId2">
+            <a:extLst>
+              <a:ext uri="{28A0092B-C50C-407E-A947-70E740481C1C}">
+                <a14:useLocalDpi xmlns:a14="http://schemas.microsoft.com/office/drawing/2010/main" val="0"/>
+              </a:ext>
+            </a:extLst>
+          </a:blip>
+          <a:srcRect/>
+          <a:stretch>
+            <a:fillRect/>
+          </a:stretch>
+        </p:blipFill>
+        <p:spPr bwMode="auto">
+          <a:xfrm>
+            <a:off x="739100" y="1685109"/>
+            <a:ext cx="2643706" cy="3454442"/>
+          </a:xfrm>
+          <a:prstGeom prst="rect">
+            <a:avLst/>
+          </a:prstGeom>
+          <a:noFill/>
+          <a:extLst>
+            <a:ext uri="{909E8E84-426E-40DD-AFC4-6F175D3DCCD1}">
+              <a14:hiddenFill xmlns:a14="http://schemas.microsoft.com/office/drawing/2010/main">
+                <a:solidFill>
+                  <a:srgbClr val="FFFFFF"/>
+                </a:solidFill>
+              </a14:hiddenFill>
+            </a:ext>
+          </a:extLst>
+        </p:spPr>
+      </p:pic>
+      <p:pic>
+        <p:nvPicPr>
+          <p:cNvPr id="4" name="Picture 4">
+            <a:extLst>
+              <a:ext uri="{FF2B5EF4-FFF2-40B4-BE49-F238E27FC236}">
+                <a16:creationId xmlns:a16="http://schemas.microsoft.com/office/drawing/2014/main" id="{2BCA5EF9-3CF0-4AF1-BEDB-7D214642BD71}"/>
+              </a:ext>
+            </a:extLst>
+          </p:cNvPr>
+          <p:cNvPicPr>
+            <a:picLocks noChangeAspect="1" noChangeArrowheads="1"/>
+          </p:cNvPicPr>
+          <p:nvPr/>
+        </p:nvPicPr>
+        <p:blipFill>
+          <a:blip r:embed="rId3">
+            <a:extLst>
+              <a:ext uri="{28A0092B-C50C-407E-A947-70E740481C1C}">
+                <a14:useLocalDpi xmlns:a14="http://schemas.microsoft.com/office/drawing/2010/main" val="0"/>
+              </a:ext>
+            </a:extLst>
+          </a:blip>
+          <a:srcRect/>
+          <a:stretch>
+            <a:fillRect/>
+          </a:stretch>
+        </p:blipFill>
+        <p:spPr bwMode="auto">
+          <a:xfrm>
+            <a:off x="8992390" y="1685109"/>
+            <a:ext cx="2536460" cy="3459731"/>
+          </a:xfrm>
+          <a:prstGeom prst="rect">
+            <a:avLst/>
+          </a:prstGeom>
+          <a:noFill/>
+          <a:extLst>
+            <a:ext uri="{909E8E84-426E-40DD-AFC4-6F175D3DCCD1}">
+              <a14:hiddenFill xmlns:a14="http://schemas.microsoft.com/office/drawing/2010/main">
+                <a:solidFill>
+                  <a:srgbClr val="FFFFFF"/>
+                </a:solidFill>
+              </a14:hiddenFill>
+            </a:ext>
+          </a:extLst>
+        </p:spPr>
+      </p:pic>
+      <p:pic>
+        <p:nvPicPr>
+          <p:cNvPr id="1026" name="Picture 2" descr="Working Effectively with Legacy Code (text only) by M.Feathers: M ...">
+            <a:extLst>
+              <a:ext uri="{FF2B5EF4-FFF2-40B4-BE49-F238E27FC236}">
+                <a16:creationId xmlns:a16="http://schemas.microsoft.com/office/drawing/2014/main" id="{963DF17B-8562-40DE-8A84-9252CBC906CF}"/>
+              </a:ext>
+            </a:extLst>
+          </p:cNvPr>
+          <p:cNvPicPr>
+            <a:picLocks noChangeAspect="1" noChangeArrowheads="1"/>
+          </p:cNvPicPr>
+          <p:nvPr/>
+        </p:nvPicPr>
+        <p:blipFill>
+          <a:blip r:embed="rId4">
+            <a:extLst>
+              <a:ext uri="{28A0092B-C50C-407E-A947-70E740481C1C}">
+                <a14:useLocalDpi xmlns:a14="http://schemas.microsoft.com/office/drawing/2010/main" val="0"/>
+              </a:ext>
+            </a:extLst>
+          </a:blip>
+          <a:srcRect/>
+          <a:stretch>
+            <a:fillRect/>
+          </a:stretch>
+        </p:blipFill>
+        <p:spPr bwMode="auto">
+          <a:xfrm>
+            <a:off x="4300538" y="1052513"/>
+            <a:ext cx="3590925" cy="4752975"/>
+          </a:xfrm>
+          <a:prstGeom prst="rect">
+            <a:avLst/>
+          </a:prstGeom>
+          <a:noFill/>
+          <a:extLst>
+            <a:ext uri="{909E8E84-426E-40DD-AFC4-6F175D3DCCD1}">
+              <a14:hiddenFill xmlns:a14="http://schemas.microsoft.com/office/drawing/2010/main">
+                <a:solidFill>
+                  <a:srgbClr val="FFFFFF"/>
+                </a:solidFill>
+              </a14:hiddenFill>
+            </a:ext>
+          </a:extLst>
+        </p:spPr>
+      </p:pic>
+    </p:spTree>
+    <p:extLst>
+      <p:ext uri="{BB962C8B-B14F-4D97-AF65-F5344CB8AC3E}">
+        <p14:creationId xmlns:p14="http://schemas.microsoft.com/office/powerpoint/2010/main" val="2571562753"/>
+      </p:ext>
+    </p:extLst>
+  </p:cSld>
+  <p:clrMapOvr>
+    <a:masterClrMapping/>
+  </p:clrMapOvr>
+</p:sld>
+</file>
+
+<file path=ppt/slides/slide9.xml><?xml version="1.0" encoding="utf-8"?>
+<p:sld xmlns:a="http://schemas.openxmlformats.org/drawingml/2006/main" xmlns:r="http://schemas.openxmlformats.org/officeDocument/2006/relationships" xmlns:p="http://schemas.openxmlformats.org/presentationml/2006/main">
+  <p:cSld>
+    <p:spTree>
+      <p:nvGrpSpPr>
+        <p:cNvPr id="1" name=""/>
+        <p:cNvGrpSpPr/>
+        <p:nvPr/>
+      </p:nvGrpSpPr>
+      <p:grpSpPr>
+        <a:xfrm>
+          <a:off x="0" y="0"/>
+          <a:ext cx="0" cy="0"/>
+          <a:chOff x="0" y="0"/>
+          <a:chExt cx="0" cy="0"/>
+        </a:xfrm>
+      </p:grpSpPr>
+      <p:sp>
+        <p:nvSpPr>
+          <p:cNvPr id="4" name="Title 3">
+            <a:extLst>
+              <a:ext uri="{FF2B5EF4-FFF2-40B4-BE49-F238E27FC236}">
+                <a16:creationId xmlns:a16="http://schemas.microsoft.com/office/drawing/2014/main" id="{700A87F9-602E-48A4-AD26-5BE80A9B74CD}"/>
+              </a:ext>
+            </a:extLst>
+          </p:cNvPr>
+          <p:cNvSpPr>
+            <a:spLocks noGrp="1"/>
+          </p:cNvSpPr>
+          <p:nvPr>
+            <p:ph type="title"/>
+          </p:nvPr>
+        </p:nvSpPr>
+        <p:spPr/>
+        <p:txBody>
+          <a:bodyPr/>
+          <a:lstStyle/>
+          <a:p>
+            <a:r>
+              <a:rPr lang="en-US" dirty="0"/>
+              <a:t>Current State</a:t>
+            </a:r>
+          </a:p>
+        </p:txBody>
+      </p:sp>
+      <p:sp>
+        <p:nvSpPr>
+          <p:cNvPr id="5" name="Text Placeholder 4">
+            <a:extLst>
+              <a:ext uri="{FF2B5EF4-FFF2-40B4-BE49-F238E27FC236}">
+                <a16:creationId xmlns:a16="http://schemas.microsoft.com/office/drawing/2014/main" id="{7F0C891F-26A9-405D-821C-333C42EC4433}"/>
+              </a:ext>
+            </a:extLst>
+          </p:cNvPr>
+          <p:cNvSpPr>
+            <a:spLocks noGrp="1"/>
+          </p:cNvSpPr>
+          <p:nvPr>
+            <p:ph type="body" idx="1"/>
+          </p:nvPr>
+        </p:nvSpPr>
+        <p:spPr/>
+        <p:txBody>
+          <a:bodyPr/>
+          <a:lstStyle/>
+          <a:p>
+            <a:endParaRPr lang="en-US"/>
+          </a:p>
+        </p:txBody>
+      </p:sp>
+    </p:spTree>
+    <p:extLst>
+      <p:ext uri="{BB962C8B-B14F-4D97-AF65-F5344CB8AC3E}">
+        <p14:creationId xmlns:p14="http://schemas.microsoft.com/office/powerpoint/2010/main" val="2944464292"/>
       </p:ext>
     </p:extLst>
   </p:cSld>

--- a/DomainDrivenRefactoring/DomainDrivenRefactoring.pptx
+++ b/DomainDrivenRefactoring/DomainDrivenRefactoring.pptx
@@ -8,7 +8,7 @@
     <p:notesMasterId r:id="rId15"/>
   </p:notesMasterIdLst>
   <p:sldIdLst>
-    <p:sldId id="257" r:id="rId2"/>
+    <p:sldId id="274" r:id="rId2"/>
     <p:sldId id="312" r:id="rId3"/>
     <p:sldId id="311" r:id="rId4"/>
     <p:sldId id="313" r:id="rId5"/>
@@ -525,7 +525,7 @@
           <a:bodyPr/>
           <a:lstStyle/>
           <a:p>
-            <a:endParaRPr lang="en-US"/>
+            <a:endParaRPr lang="en-US" dirty="0"/>
           </a:p>
         </p:txBody>
       </p:sp>
@@ -555,7 +555,7 @@
     </p:spTree>
     <p:extLst>
       <p:ext uri="{BB962C8B-B14F-4D97-AF65-F5344CB8AC3E}">
-        <p14:creationId xmlns:p14="http://schemas.microsoft.com/office/powerpoint/2010/main" val="2155969709"/>
+        <p14:creationId xmlns:p14="http://schemas.microsoft.com/office/powerpoint/2010/main" val="453979515"/>
       </p:ext>
     </p:extLst>
   </p:cSld>
@@ -611,42 +611,8 @@
           <a:p>
             <a:r>
               <a:rPr lang="en-US" dirty="0"/>
-              <a:t>From PoEAA:</a:t>
-            </a:r>
-            <a:r>
-              <a:rPr lang="en-US" baseline="0" dirty="0"/>
-              <a:t> </a:t>
-            </a:r>
-            <a:r>
-              <a:rPr lang="en-US" dirty="0"/>
-              <a:t>An object model of the domain that incorporates both behavior and data.</a:t>
-            </a:r>
-          </a:p>
-          <a:p>
-            <a:endParaRPr lang="en-US" dirty="0"/>
-          </a:p>
-          <a:p>
-            <a:r>
-              <a:rPr lang="en-US" dirty="0"/>
-              <a:t>Key – data AND behavior</a:t>
-            </a:r>
-          </a:p>
-          <a:p>
-            <a:endParaRPr lang="en-US" dirty="0"/>
-          </a:p>
-          <a:p>
-            <a:r>
-              <a:rPr lang="en-US" dirty="0"/>
-              <a:t>Beyond nouns</a:t>
-            </a:r>
-            <a:r>
-              <a:rPr lang="en-US" baseline="0" dirty="0"/>
-              <a:t> and verbs</a:t>
-            </a:r>
-            <a:endParaRPr lang="en-US" dirty="0"/>
-          </a:p>
-          <a:p>
-            <a:endParaRPr lang="en-US" dirty="0"/>
+              <a:t>An architectural design strategy in which we selectively distill, organize, and abstract the body of knowledge from the users to the software</a:t>
+            </a:r>
           </a:p>
         </p:txBody>
       </p:sp>
@@ -3953,7 +3919,7 @@
         </p:nvSpPr>
         <p:spPr>
           <a:xfrm>
-            <a:off x="1759392" y="247431"/>
+            <a:off x="1759392" y="70969"/>
             <a:ext cx="8691327" cy="2387600"/>
           </a:xfrm>
         </p:spPr>
@@ -3964,7 +3930,11 @@
           <a:lstStyle/>
           <a:p>
             <a:r>
-              <a:rPr lang="en-US" dirty="0"/>
+              <a:rPr lang="en-US" sz="6600" dirty="0">
+                <a:solidFill>
+                  <a:prstClr val="black"/>
+                </a:solidFill>
+              </a:rPr>
               <a:t>Domain-Driven Refactoring</a:t>
             </a:r>
             <a:endParaRPr lang="en-US" sz="4800" dirty="0"/>
@@ -3998,8 +3968,13 @@
           <a:p>
             <a:r>
               <a:rPr lang="en-US" dirty="0"/>
-              <a:t>Jimmy Bogard</a:t>
-            </a:r>
+              <a:t>Jimmy </a:t>
+            </a:r>
+            <a:r>
+              <a:rPr lang="en-US" dirty="0" err="1"/>
+              <a:t>Bogard</a:t>
+            </a:r>
+            <a:endParaRPr lang="en-US" dirty="0"/>
           </a:p>
           <a:p>
             <a:r>
@@ -4025,9 +4000,10 @@
           </a:p>
           <a:p>
             <a:r>
-              <a:rPr lang="en-US" dirty="0"/>
+              <a:rPr lang="en-US" dirty="0" err="1"/>
               <a:t>jimmybogard.com</a:t>
             </a:r>
+            <a:endParaRPr lang="en-US" dirty="0"/>
           </a:p>
         </p:txBody>
       </p:sp>
@@ -4054,49 +4030,8 @@
         </p:blipFill>
         <p:spPr bwMode="auto">
           <a:xfrm>
-            <a:off x="10143348" y="4465114"/>
+            <a:off x="1411730" y="4632329"/>
             <a:ext cx="1095375" cy="1714500"/>
-          </a:xfrm>
-          <a:prstGeom prst="rect">
-            <a:avLst/>
-          </a:prstGeom>
-          <a:noFill/>
-          <a:extLst>
-            <a:ext uri="{909E8E84-426E-40DD-AFC4-6F175D3DCCD1}">
-              <a14:hiddenFill xmlns:a14="http://schemas.microsoft.com/office/drawing/2010/main">
-                <a:solidFill>
-                  <a:srgbClr val="FFFFFF"/>
-                </a:solidFill>
-              </a14:hiddenFill>
-            </a:ext>
-          </a:extLst>
-        </p:spPr>
-      </p:pic>
-      <p:pic>
-        <p:nvPicPr>
-          <p:cNvPr id="11" name="Picture 8" descr="http://lostechies.com/wp-content/themes/lostechies/images/lostechies_logo.png"/>
-          <p:cNvPicPr>
-            <a:picLocks noChangeAspect="1" noChangeArrowheads="1"/>
-          </p:cNvPicPr>
-          <p:nvPr/>
-        </p:nvPicPr>
-        <p:blipFill>
-          <a:blip r:embed="rId7">
-            <a:extLst>
-              <a:ext uri="{28A0092B-C50C-407E-A947-70E740481C1C}">
-                <a14:useLocalDpi xmlns:a14="http://schemas.microsoft.com/office/drawing/2010/main" val="0"/>
-              </a:ext>
-            </a:extLst>
-          </a:blip>
-          <a:srcRect/>
-          <a:stretch>
-            <a:fillRect/>
-          </a:stretch>
-        </p:blipFill>
-        <p:spPr bwMode="auto">
-          <a:xfrm>
-            <a:off x="3081282" y="4558964"/>
-            <a:ext cx="6047539" cy="733425"/>
           </a:xfrm>
           <a:prstGeom prst="rect">
             <a:avLst/>
@@ -4122,7 +4057,7 @@
           <p:nvPr/>
         </p:nvPicPr>
         <p:blipFill>
-          <a:blip r:embed="rId8">
+          <a:blip r:embed="rId7">
             <a:extLst>
               <a:ext uri="{28A0092B-C50C-407E-A947-70E740481C1C}">
                 <a14:useLocalDpi xmlns:a14="http://schemas.microsoft.com/office/drawing/2010/main" val="0"/>
@@ -4136,7 +4071,7 @@
         </p:blipFill>
         <p:spPr bwMode="auto">
           <a:xfrm>
-            <a:off x="5800252" y="5703340"/>
+            <a:off x="7410973" y="4783848"/>
             <a:ext cx="3733800" cy="382377"/>
           </a:xfrm>
           <a:prstGeom prst="rect">
@@ -4156,14 +4091,14 @@
       </p:pic>
       <p:pic>
         <p:nvPicPr>
-          <p:cNvPr id="3074" name="Picture 2" descr="http://storage.pardot.com/52582/22896/headspring_weblogo.png"/>
+          <p:cNvPr id="10" name="Picture 2" descr="http://storage.pardot.com/52582/22896/headspring_weblogo.png"/>
           <p:cNvPicPr>
             <a:picLocks noChangeAspect="1" noChangeArrowheads="1"/>
           </p:cNvPicPr>
           <p:nvPr/>
         </p:nvPicPr>
         <p:blipFill>
-          <a:blip r:embed="rId9">
+          <a:blip r:embed="rId8">
             <a:extLst>
               <a:ext uri="{28A0092B-C50C-407E-A947-70E740481C1C}">
                 <a14:useLocalDpi xmlns:a14="http://schemas.microsoft.com/office/drawing/2010/main" val="0"/>
@@ -4177,8 +4112,8 @@
         </p:blipFill>
         <p:spPr bwMode="auto">
           <a:xfrm>
-            <a:off x="2007389" y="5617260"/>
-            <a:ext cx="3183567" cy="578830"/>
+            <a:off x="2785863" y="5003730"/>
+            <a:ext cx="4421766" cy="803957"/>
           </a:xfrm>
           <a:prstGeom prst="rect">
             <a:avLst/>
@@ -4195,13 +4130,37 @@
           </a:extLst>
         </p:spPr>
       </p:pic>
+      <p:pic>
+        <p:nvPicPr>
+          <p:cNvPr id="4" name="Picture 3"/>
+          <p:cNvPicPr>
+            <a:picLocks noChangeAspect="1"/>
+          </p:cNvPicPr>
+          <p:nvPr/>
+        </p:nvPicPr>
+        <p:blipFill>
+          <a:blip r:embed="rId9"/>
+          <a:stretch>
+            <a:fillRect/>
+          </a:stretch>
+        </p:blipFill>
+        <p:spPr>
+          <a:xfrm>
+            <a:off x="8751846" y="5363069"/>
+            <a:ext cx="1052054" cy="1052054"/>
+          </a:xfrm>
+          <a:prstGeom prst="rect">
+            <a:avLst/>
+          </a:prstGeom>
+        </p:spPr>
+      </p:pic>
     </p:spTree>
     <p:custDataLst>
       <p:tags r:id="rId1"/>
     </p:custDataLst>
     <p:extLst>
       <p:ext uri="{BB962C8B-B14F-4D97-AF65-F5344CB8AC3E}">
-        <p14:creationId xmlns:p14="http://schemas.microsoft.com/office/powerpoint/2010/main" val="840177479"/>
+        <p14:creationId xmlns:p14="http://schemas.microsoft.com/office/powerpoint/2010/main" val="1530877346"/>
       </p:ext>
     </p:extLst>
   </p:cSld>

--- a/DomainDrivenRefactoring/DomainDrivenRefactoring.pptx
+++ b/DomainDrivenRefactoring/DomainDrivenRefactoring.pptx
@@ -209,7 +209,7 @@
           <a:p>
             <a:fld id="{BA11CBBD-FCCC-4341-9A07-9341F6C54581}" type="datetimeFigureOut">
               <a:rPr lang="en-US" smtClean="0"/>
-              <a:t>6/9/2020</a:t>
+              <a:t>11/11/2020</a:t>
             </a:fld>
             <a:endParaRPr lang="en-US"/>
           </a:p>

--- a/DomainDrivenRefactoring/DomainDrivenRefactoring.pptx
+++ b/DomainDrivenRefactoring/DomainDrivenRefactoring.pptx
@@ -209,7 +209,7 @@
           <a:p>
             <a:fld id="{BA11CBBD-FCCC-4341-9A07-9341F6C54581}" type="datetimeFigureOut">
               <a:rPr lang="en-US" smtClean="0"/>
-              <a:t>11/11/2020</a:t>
+              <a:t>4/27/2022</a:t>
             </a:fld>
             <a:endParaRPr lang="en-US"/>
           </a:p>
@@ -4030,7 +4030,7 @@
         </p:blipFill>
         <p:spPr bwMode="auto">
           <a:xfrm>
-            <a:off x="1411730" y="4632329"/>
+            <a:off x="3230080" y="4637554"/>
             <a:ext cx="1095375" cy="1714500"/>
           </a:xfrm>
           <a:prstGeom prst="rect">
@@ -4071,49 +4071,8 @@
         </p:blipFill>
         <p:spPr bwMode="auto">
           <a:xfrm>
-            <a:off x="7410973" y="4783848"/>
+            <a:off x="5608299" y="4809973"/>
             <a:ext cx="3733800" cy="382377"/>
-          </a:xfrm>
-          <a:prstGeom prst="rect">
-            <a:avLst/>
-          </a:prstGeom>
-          <a:noFill/>
-          <a:extLst>
-            <a:ext uri="{909E8E84-426E-40DD-AFC4-6F175D3DCCD1}">
-              <a14:hiddenFill xmlns:a14="http://schemas.microsoft.com/office/drawing/2010/main">
-                <a:solidFill>
-                  <a:srgbClr val="FFFFFF"/>
-                </a:solidFill>
-              </a14:hiddenFill>
-            </a:ext>
-          </a:extLst>
-        </p:spPr>
-      </p:pic>
-      <p:pic>
-        <p:nvPicPr>
-          <p:cNvPr id="10" name="Picture 2" descr="http://storage.pardot.com/52582/22896/headspring_weblogo.png"/>
-          <p:cNvPicPr>
-            <a:picLocks noChangeAspect="1" noChangeArrowheads="1"/>
-          </p:cNvPicPr>
-          <p:nvPr/>
-        </p:nvPicPr>
-        <p:blipFill>
-          <a:blip r:embed="rId8">
-            <a:extLst>
-              <a:ext uri="{28A0092B-C50C-407E-A947-70E740481C1C}">
-                <a14:useLocalDpi xmlns:a14="http://schemas.microsoft.com/office/drawing/2010/main" val="0"/>
-              </a:ext>
-            </a:extLst>
-          </a:blip>
-          <a:srcRect/>
-          <a:stretch>
-            <a:fillRect/>
-          </a:stretch>
-        </p:blipFill>
-        <p:spPr bwMode="auto">
-          <a:xfrm>
-            <a:off x="2785863" y="5003730"/>
-            <a:ext cx="4421766" cy="803957"/>
           </a:xfrm>
           <a:prstGeom prst="rect">
             <a:avLst/>
@@ -4139,14 +4098,14 @@
           <p:nvPr/>
         </p:nvPicPr>
         <p:blipFill>
-          <a:blip r:embed="rId9"/>
+          <a:blip r:embed="rId8"/>
           <a:stretch>
             <a:fillRect/>
           </a:stretch>
         </p:blipFill>
         <p:spPr>
           <a:xfrm>
-            <a:off x="8751846" y="5363069"/>
+            <a:off x="6949172" y="5420546"/>
             <a:ext cx="1052054" cy="1052054"/>
           </a:xfrm>
           <a:prstGeom prst="rect">

--- a/DomainDrivenRefactoring/DomainDrivenRefactoring.pptx
+++ b/DomainDrivenRefactoring/DomainDrivenRefactoring.pptx
@@ -209,7 +209,7 @@
           <a:p>
             <a:fld id="{BA11CBBD-FCCC-4341-9A07-9341F6C54581}" type="datetimeFigureOut">
               <a:rPr lang="en-US" smtClean="0"/>
-              <a:t>4/27/2022</a:t>
+              <a:t>4/16/25</a:t>
             </a:fld>
             <a:endParaRPr lang="en-US"/>
           </a:p>
@@ -1162,8 +1162,12 @@
           </a:lstStyle>
           <a:p>
             <a:r>
-              <a:rPr lang="en-US"/>
-              <a:t>@jbogard</a:t>
+              <a:rPr lang="en-US" dirty="0"/>
+              <a:t>@</a:t>
+            </a:r>
+            <a:r>
+              <a:rPr lang="en-US" dirty="0" err="1"/>
+              <a:t>jimmybogard.com</a:t>
             </a:r>
             <a:endParaRPr lang="en-US" dirty="0"/>
           </a:p>
@@ -1330,9 +1334,14 @@
           <a:lstStyle/>
           <a:p>
             <a:r>
-              <a:rPr lang="en-US"/>
-              <a:t>@jbogard</a:t>
-            </a:r>
+              <a:rPr lang="en-US" dirty="0"/>
+              <a:t>@</a:t>
+            </a:r>
+            <a:r>
+              <a:rPr lang="en-US" dirty="0" err="1"/>
+              <a:t>jimmybogard.com</a:t>
+            </a:r>
+            <a:endParaRPr lang="en-US" dirty="0"/>
           </a:p>
         </p:txBody>
       </p:sp>
@@ -1507,9 +1516,14 @@
           <a:lstStyle/>
           <a:p>
             <a:r>
-              <a:rPr lang="en-US"/>
-              <a:t>@jbogard</a:t>
-            </a:r>
+              <a:rPr lang="en-US" dirty="0"/>
+              <a:t>@</a:t>
+            </a:r>
+            <a:r>
+              <a:rPr lang="en-US" dirty="0" err="1"/>
+              <a:t>jimmybogard.com</a:t>
+            </a:r>
+            <a:endParaRPr lang="en-US" dirty="0"/>
           </a:p>
         </p:txBody>
       </p:sp>
@@ -1680,8 +1694,12 @@
           <a:lstStyle/>
           <a:p>
             <a:r>
-              <a:rPr lang="en-US"/>
-              <a:t>@jbogard</a:t>
+              <a:rPr lang="en-US" dirty="0"/>
+              <a:t>@</a:t>
+            </a:r>
+            <a:r>
+              <a:rPr lang="en-US" dirty="0" err="1"/>
+              <a:t>jimmybogard.com</a:t>
             </a:r>
             <a:endParaRPr lang="en-US" dirty="0"/>
           </a:p>
@@ -1941,8 +1959,12 @@
           </a:lstStyle>
           <a:p>
             <a:r>
-              <a:rPr lang="en-US"/>
-              <a:t>@jbogard</a:t>
+              <a:rPr lang="en-US" dirty="0"/>
+              <a:t>@</a:t>
+            </a:r>
+            <a:r>
+              <a:rPr lang="en-US" dirty="0" err="1"/>
+              <a:t>jimmybogard.com</a:t>
             </a:r>
             <a:endParaRPr lang="en-US" dirty="0"/>
           </a:p>
@@ -2174,8 +2196,12 @@
           </a:lstStyle>
           <a:p>
             <a:r>
-              <a:rPr lang="en-US"/>
-              <a:t>@jbogard</a:t>
+              <a:rPr lang="en-US" dirty="0"/>
+              <a:t>@</a:t>
+            </a:r>
+            <a:r>
+              <a:rPr lang="en-US" dirty="0" err="1"/>
+              <a:t>jimmybogard.com</a:t>
             </a:r>
             <a:endParaRPr lang="en-US" dirty="0"/>
           </a:p>
@@ -2538,9 +2564,14 @@
           <a:lstStyle/>
           <a:p>
             <a:r>
-              <a:rPr lang="en-US"/>
-              <a:t>@jbogard</a:t>
-            </a:r>
+              <a:rPr lang="en-US" dirty="0"/>
+              <a:t>@</a:t>
+            </a:r>
+            <a:r>
+              <a:rPr lang="en-US" dirty="0" err="1"/>
+              <a:t>jimmybogard.com</a:t>
+            </a:r>
+            <a:endParaRPr lang="en-US" dirty="0"/>
           </a:p>
         </p:txBody>
       </p:sp>
@@ -2658,8 +2689,12 @@
           </a:lstStyle>
           <a:p>
             <a:r>
-              <a:rPr lang="en-US"/>
-              <a:t>@jbogard</a:t>
+              <a:rPr lang="en-US" dirty="0"/>
+              <a:t>@</a:t>
+            </a:r>
+            <a:r>
+              <a:rPr lang="en-US" dirty="0" err="1"/>
+              <a:t>jimmybogard.com</a:t>
             </a:r>
             <a:endParaRPr lang="en-US" dirty="0"/>
           </a:p>
@@ -2757,8 +2792,12 @@
           </a:lstStyle>
           <a:p>
             <a:r>
-              <a:rPr lang="en-US"/>
-              <a:t>@jbogard</a:t>
+              <a:rPr lang="en-US" dirty="0"/>
+              <a:t>@</a:t>
+            </a:r>
+            <a:r>
+              <a:rPr lang="en-US" dirty="0" err="1"/>
+              <a:t>jimmybogard.com</a:t>
             </a:r>
             <a:endParaRPr lang="en-US" dirty="0"/>
           </a:p>
@@ -3032,9 +3071,14 @@
           <a:lstStyle/>
           <a:p>
             <a:r>
-              <a:rPr lang="en-US"/>
-              <a:t>@jbogard</a:t>
-            </a:r>
+              <a:rPr lang="en-US" dirty="0"/>
+              <a:t>@</a:t>
+            </a:r>
+            <a:r>
+              <a:rPr lang="en-US" dirty="0" err="1"/>
+              <a:t>jimmybogard.com</a:t>
+            </a:r>
+            <a:endParaRPr lang="en-US" dirty="0"/>
           </a:p>
         </p:txBody>
       </p:sp>
@@ -3283,9 +3327,14 @@
           <a:lstStyle/>
           <a:p>
             <a:r>
-              <a:rPr lang="en-US"/>
-              <a:t>@jbogard</a:t>
-            </a:r>
+              <a:rPr lang="en-US" dirty="0"/>
+              <a:t>@</a:t>
+            </a:r>
+            <a:r>
+              <a:rPr lang="en-US" dirty="0" err="1"/>
+              <a:t>jimmybogard.com</a:t>
+            </a:r>
+            <a:endParaRPr lang="en-US" dirty="0"/>
           </a:p>
         </p:txBody>
       </p:sp>
@@ -3493,8 +3542,12 @@
           </a:lstStyle>
           <a:p>
             <a:r>
-              <a:rPr lang="en-US"/>
-              <a:t>@jbogard</a:t>
+              <a:rPr lang="en-US" dirty="0"/>
+              <a:t>@</a:t>
+            </a:r>
+            <a:r>
+              <a:rPr lang="en-US" dirty="0" err="1"/>
+              <a:t>jimmybogard.com</a:t>
             </a:r>
             <a:endParaRPr lang="en-US" dirty="0"/>
           </a:p>
@@ -3983,7 +4036,7 @@
             </a:r>
             <a:r>
               <a:rPr lang="en-US" dirty="0" err="1"/>
-              <a:t>jbogard</a:t>
+              <a:t>jimmybogard.com</a:t>
             </a:r>
             <a:endParaRPr lang="en-US" dirty="0"/>
           </a:p>
@@ -4168,8 +4221,12 @@
           <a:lstStyle/>
           <a:p>
             <a:r>
-              <a:rPr lang="en-US"/>
-              <a:t>@jbogard</a:t>
+              <a:rPr lang="en-US" dirty="0"/>
+              <a:t>@</a:t>
+            </a:r>
+            <a:r>
+              <a:rPr lang="en-US" dirty="0" err="1"/>
+              <a:t>jimmybogard.com</a:t>
             </a:r>
             <a:endParaRPr lang="en-US" dirty="0"/>
           </a:p>
@@ -4310,8 +4367,12 @@
           <a:lstStyle/>
           <a:p>
             <a:r>
-              <a:rPr lang="en-US"/>
-              <a:t>@jbogard</a:t>
+              <a:rPr lang="en-US" dirty="0"/>
+              <a:t>@</a:t>
+            </a:r>
+            <a:r>
+              <a:rPr lang="en-US" dirty="0" err="1"/>
+              <a:t>jimmybogard.com</a:t>
             </a:r>
             <a:endParaRPr lang="en-US" dirty="0"/>
           </a:p>
@@ -4369,8 +4430,12 @@
           <a:lstStyle/>
           <a:p>
             <a:r>
-              <a:rPr lang="en-US"/>
-              <a:t>@jbogard</a:t>
+              <a:rPr lang="en-US" dirty="0"/>
+              <a:t>@</a:t>
+            </a:r>
+            <a:r>
+              <a:rPr lang="en-US" dirty="0" err="1"/>
+              <a:t>jimmybogard.com</a:t>
             </a:r>
             <a:endParaRPr lang="en-US" dirty="0"/>
           </a:p>
@@ -4552,7 +4617,7 @@
             </a:r>
             <a:r>
               <a:rPr lang="en-US" dirty="0" err="1"/>
-              <a:t>jbogard</a:t>
+              <a:t>jimmybogard.com</a:t>
             </a:r>
             <a:endParaRPr lang="en-US" dirty="0"/>
           </a:p>
@@ -4703,7 +4768,7 @@
 </file>
 
 <file path=ppt/slides/slide2.xml><?xml version="1.0" encoding="utf-8"?>
-<p:sld xmlns:a="http://schemas.openxmlformats.org/drawingml/2006/main" xmlns:r="http://schemas.openxmlformats.org/officeDocument/2006/relationships" xmlns:p="http://schemas.openxmlformats.org/presentationml/2006/main">
+<p:sld xmlns:a="http://schemas.openxmlformats.org/drawingml/2006/main" xmlns:r="http://schemas.openxmlformats.org/officeDocument/2006/relationships" xmlns:p="http://schemas.openxmlformats.org/presentationml/2006/main" show="0">
   <p:cSld>
     <p:spTree>
       <p:nvGrpSpPr>
@@ -4783,8 +4848,12 @@
           <a:lstStyle/>
           <a:p>
             <a:r>
-              <a:rPr lang="en-US"/>
-              <a:t>@jbogard</a:t>
+              <a:rPr lang="en-US" dirty="0"/>
+              <a:t>@</a:t>
+            </a:r>
+            <a:r>
+              <a:rPr lang="en-US" dirty="0" err="1"/>
+              <a:t>jimmybogard.com</a:t>
             </a:r>
             <a:endParaRPr lang="en-US" dirty="0"/>
           </a:p>
@@ -4882,8 +4951,12 @@
           <a:lstStyle/>
           <a:p>
             <a:r>
-              <a:rPr lang="en-US"/>
-              <a:t>@jbogard</a:t>
+              <a:rPr lang="en-US" dirty="0"/>
+              <a:t>@</a:t>
+            </a:r>
+            <a:r>
+              <a:rPr lang="en-US" dirty="0" err="1"/>
+              <a:t>jimmybogard.com</a:t>
             </a:r>
             <a:endParaRPr lang="en-US" dirty="0"/>
           </a:p>
@@ -4981,8 +5054,12 @@
           <a:lstStyle/>
           <a:p>
             <a:r>
-              <a:rPr lang="en-US"/>
-              <a:t>@jbogard</a:t>
+              <a:rPr lang="en-US" dirty="0"/>
+              <a:t>@</a:t>
+            </a:r>
+            <a:r>
+              <a:rPr lang="en-US" dirty="0" err="1"/>
+              <a:t>jimmybogard.com</a:t>
             </a:r>
             <a:endParaRPr lang="en-US" dirty="0"/>
           </a:p>
@@ -5040,8 +5117,12 @@
           <a:lstStyle/>
           <a:p>
             <a:r>
-              <a:rPr lang="en-US"/>
-              <a:t>@jbogard</a:t>
+              <a:rPr lang="en-US" dirty="0"/>
+              <a:t>@</a:t>
+            </a:r>
+            <a:r>
+              <a:rPr lang="en-US" dirty="0" err="1"/>
+              <a:t>jimmybogard.com</a:t>
             </a:r>
             <a:endParaRPr lang="en-US" dirty="0"/>
           </a:p>
@@ -5161,8 +5242,12 @@
           <a:lstStyle/>
           <a:p>
             <a:r>
-              <a:rPr lang="en-US"/>
-              <a:t>@jbogard</a:t>
+              <a:rPr lang="en-US" dirty="0"/>
+              <a:t>@</a:t>
+            </a:r>
+            <a:r>
+              <a:rPr lang="en-US" dirty="0" err="1"/>
+              <a:t>jimmybogard.com</a:t>
             </a:r>
             <a:endParaRPr lang="en-US" dirty="0"/>
           </a:p>
@@ -5359,8 +5444,12 @@
           <a:lstStyle/>
           <a:p>
             <a:r>
-              <a:rPr lang="en-US"/>
-              <a:t>@jbogard</a:t>
+              <a:rPr lang="en-US" dirty="0"/>
+              <a:t>@</a:t>
+            </a:r>
+            <a:r>
+              <a:rPr lang="en-US" dirty="0" err="1"/>
+              <a:t>jimmybogard.com</a:t>
             </a:r>
             <a:endParaRPr lang="en-US" dirty="0"/>
           </a:p>
@@ -5418,8 +5507,12 @@
           <a:lstStyle/>
           <a:p>
             <a:r>
-              <a:rPr lang="en-US"/>
-              <a:t>@jbogard</a:t>
+              <a:rPr lang="en-US" dirty="0"/>
+              <a:t>@</a:t>
+            </a:r>
+            <a:r>
+              <a:rPr lang="en-US" dirty="0" err="1"/>
+              <a:t>jimmybogard.com</a:t>
             </a:r>
             <a:endParaRPr lang="en-US" dirty="0"/>
           </a:p>
